--- a/doc/システム設計書/システム設計書.pptx
+++ b/doc/システム設計書/システム設計書.pptx
@@ -8,7 +8,8 @@
     <p:sldId id="256" r:id="rId2"/>
     <p:sldId id="257" r:id="rId3"/>
     <p:sldId id="258" r:id="rId4"/>
-    <p:sldId id="259" r:id="rId5"/>
+    <p:sldId id="260" r:id="rId5"/>
+    <p:sldId id="259" r:id="rId6"/>
   </p:sldIdLst>
   <p:sldSz cx="12192000" cy="6858000"/>
   <p:notesSz cx="6858000" cy="9144000"/>
@@ -115,13 +116,25 @@
             <p14:sldId id="256"/>
             <p14:sldId id="257"/>
             <p14:sldId id="258"/>
+            <p14:sldId id="260"/>
             <p14:sldId id="259"/>
           </p14:sldIdLst>
         </p14:section>
       </p14:sectionLst>
     </p:ext>
     <p:ext uri="{EFAFB233-063F-42B5-8137-9DF3F51BA10A}">
-      <p15:sldGuideLst xmlns:p15="http://schemas.microsoft.com/office/powerpoint/2012/main"/>
+      <p15:sldGuideLst xmlns:p15="http://schemas.microsoft.com/office/powerpoint/2012/main">
+        <p15:guide id="1" orient="horz" pos="2160" userDrawn="1">
+          <p15:clr>
+            <a:srgbClr val="A4A3A4"/>
+          </p15:clr>
+        </p15:guide>
+        <p15:guide id="2" pos="3840" userDrawn="1">
+          <p15:clr>
+            <a:srgbClr val="A4A3A4"/>
+          </p15:clr>
+        </p15:guide>
+      </p15:sldGuideLst>
     </p:ext>
   </p:extLst>
 </p:presentation>
@@ -1517,7 +1530,7 @@
           <a:p>
             <a:fld id="{0ED07F6F-880E-45B2-AB61-BAE90E67D0AE}" type="datetimeFigureOut">
               <a:rPr kumimoji="1" lang="ja-JP" altLang="en-US" smtClean="0"/>
-              <a:t>2023/5/29</a:t>
+              <a:t>2023/6/3</a:t>
             </a:fld>
             <a:endParaRPr kumimoji="1" lang="ja-JP" altLang="en-US"/>
           </a:p>
@@ -1747,7 +1760,7 @@
           <a:p>
             <a:fld id="{0ED07F6F-880E-45B2-AB61-BAE90E67D0AE}" type="datetimeFigureOut">
               <a:rPr kumimoji="1" lang="ja-JP" altLang="en-US" smtClean="0"/>
-              <a:t>2023/5/29</a:t>
+              <a:t>2023/6/3</a:t>
             </a:fld>
             <a:endParaRPr kumimoji="1" lang="ja-JP" altLang="en-US"/>
           </a:p>
@@ -1987,7 +2000,7 @@
           <a:p>
             <a:fld id="{0ED07F6F-880E-45B2-AB61-BAE90E67D0AE}" type="datetimeFigureOut">
               <a:rPr kumimoji="1" lang="ja-JP" altLang="en-US" smtClean="0"/>
-              <a:t>2023/5/29</a:t>
+              <a:t>2023/6/3</a:t>
             </a:fld>
             <a:endParaRPr kumimoji="1" lang="ja-JP" altLang="en-US"/>
           </a:p>
@@ -2217,7 +2230,7 @@
           <a:p>
             <a:fld id="{0ED07F6F-880E-45B2-AB61-BAE90E67D0AE}" type="datetimeFigureOut">
               <a:rPr kumimoji="1" lang="ja-JP" altLang="en-US" smtClean="0"/>
-              <a:t>2023/5/29</a:t>
+              <a:t>2023/6/3</a:t>
             </a:fld>
             <a:endParaRPr kumimoji="1" lang="ja-JP" altLang="en-US"/>
           </a:p>
@@ -2492,7 +2505,7 @@
           <a:p>
             <a:fld id="{0ED07F6F-880E-45B2-AB61-BAE90E67D0AE}" type="datetimeFigureOut">
               <a:rPr kumimoji="1" lang="ja-JP" altLang="en-US" smtClean="0"/>
-              <a:t>2023/5/29</a:t>
+              <a:t>2023/6/3</a:t>
             </a:fld>
             <a:endParaRPr kumimoji="1" lang="ja-JP" altLang="en-US"/>
           </a:p>
@@ -2821,7 +2834,7 @@
           <a:p>
             <a:fld id="{0ED07F6F-880E-45B2-AB61-BAE90E67D0AE}" type="datetimeFigureOut">
               <a:rPr kumimoji="1" lang="ja-JP" altLang="en-US" smtClean="0"/>
-              <a:t>2023/5/29</a:t>
+              <a:t>2023/6/3</a:t>
             </a:fld>
             <a:endParaRPr kumimoji="1" lang="ja-JP" altLang="en-US"/>
           </a:p>
@@ -3297,7 +3310,7 @@
           <a:p>
             <a:fld id="{0ED07F6F-880E-45B2-AB61-BAE90E67D0AE}" type="datetimeFigureOut">
               <a:rPr kumimoji="1" lang="ja-JP" altLang="en-US" smtClean="0"/>
-              <a:t>2023/5/29</a:t>
+              <a:t>2023/6/3</a:t>
             </a:fld>
             <a:endParaRPr kumimoji="1" lang="ja-JP" altLang="en-US"/>
           </a:p>
@@ -3438,7 +3451,7 @@
           <a:p>
             <a:fld id="{0ED07F6F-880E-45B2-AB61-BAE90E67D0AE}" type="datetimeFigureOut">
               <a:rPr kumimoji="1" lang="ja-JP" altLang="en-US" smtClean="0"/>
-              <a:t>2023/5/29</a:t>
+              <a:t>2023/6/3</a:t>
             </a:fld>
             <a:endParaRPr kumimoji="1" lang="ja-JP" altLang="en-US"/>
           </a:p>
@@ -3551,7 +3564,7 @@
           <a:p>
             <a:fld id="{0ED07F6F-880E-45B2-AB61-BAE90E67D0AE}" type="datetimeFigureOut">
               <a:rPr kumimoji="1" lang="ja-JP" altLang="en-US" smtClean="0"/>
-              <a:t>2023/5/29</a:t>
+              <a:t>2023/6/3</a:t>
             </a:fld>
             <a:endParaRPr kumimoji="1" lang="ja-JP" altLang="en-US"/>
           </a:p>
@@ -3894,7 +3907,7 @@
           <a:p>
             <a:fld id="{0ED07F6F-880E-45B2-AB61-BAE90E67D0AE}" type="datetimeFigureOut">
               <a:rPr kumimoji="1" lang="ja-JP" altLang="en-US" smtClean="0"/>
-              <a:t>2023/5/29</a:t>
+              <a:t>2023/6/3</a:t>
             </a:fld>
             <a:endParaRPr kumimoji="1" lang="ja-JP" altLang="en-US"/>
           </a:p>
@@ -4182,7 +4195,7 @@
           <a:p>
             <a:fld id="{0ED07F6F-880E-45B2-AB61-BAE90E67D0AE}" type="datetimeFigureOut">
               <a:rPr kumimoji="1" lang="ja-JP" altLang="en-US" smtClean="0"/>
-              <a:t>2023/5/29</a:t>
+              <a:t>2023/6/3</a:t>
             </a:fld>
             <a:endParaRPr kumimoji="1" lang="ja-JP" altLang="en-US"/>
           </a:p>
@@ -4455,7 +4468,7 @@
           <a:p>
             <a:fld id="{0ED07F6F-880E-45B2-AB61-BAE90E67D0AE}" type="datetimeFigureOut">
               <a:rPr kumimoji="1" lang="ja-JP" altLang="en-US" smtClean="0"/>
-              <a:t>2023/5/29</a:t>
+              <a:t>2023/6/3</a:t>
             </a:fld>
             <a:endParaRPr kumimoji="1" lang="ja-JP" altLang="en-US"/>
           </a:p>
@@ -23407,6 +23420,2267 @@
           <a:chExt cx="0" cy="0"/>
         </a:xfrm>
       </p:grpSpPr>
+      <p:sp>
+        <p:nvSpPr>
+          <p:cNvPr id="9" name="テキスト ボックス 8">
+            <a:extLst>
+              <a:ext uri="{FF2B5EF4-FFF2-40B4-BE49-F238E27FC236}">
+                <a16:creationId xmlns:a16="http://schemas.microsoft.com/office/drawing/2014/main" id="{992CBFDA-A292-7651-2755-1E5CDEB366AA}"/>
+              </a:ext>
+            </a:extLst>
+          </p:cNvPr>
+          <p:cNvSpPr txBox="1"/>
+          <p:nvPr/>
+        </p:nvSpPr>
+        <p:spPr>
+          <a:xfrm>
+            <a:off x="8400000" y="3491544"/>
+            <a:ext cx="992579" cy="415498"/>
+          </a:xfrm>
+          <a:prstGeom prst="rect">
+            <a:avLst/>
+          </a:prstGeom>
+          <a:noFill/>
+        </p:spPr>
+        <p:txBody>
+          <a:bodyPr wrap="none" rtlCol="0">
+            <a:spAutoFit/>
+          </a:bodyPr>
+          <a:lstStyle/>
+          <a:p>
+            <a:pPr algn="l"/>
+            <a:r>
+              <a:rPr lang="ja-JP" altLang="en-US" sz="2100" spc="0" baseline="0" dirty="0">
+                <a:ln/>
+                <a:solidFill>
+                  <a:srgbClr val="6881B3"/>
+                </a:solidFill>
+                <a:latin typeface="Verdana"/>
+                <a:sym typeface="Verdana"/>
+                <a:rtl val="0"/>
+              </a:rPr>
+              <a:t>開発部</a:t>
+            </a:r>
+          </a:p>
+        </p:txBody>
+      </p:sp>
+      <p:sp>
+        <p:nvSpPr>
+          <p:cNvPr id="11" name="テキスト ボックス 10">
+            <a:extLst>
+              <a:ext uri="{FF2B5EF4-FFF2-40B4-BE49-F238E27FC236}">
+                <a16:creationId xmlns:a16="http://schemas.microsoft.com/office/drawing/2014/main" id="{D8F81AB9-C601-37C1-516F-7ADF6848F280}"/>
+              </a:ext>
+            </a:extLst>
+          </p:cNvPr>
+          <p:cNvSpPr txBox="1"/>
+          <p:nvPr/>
+        </p:nvSpPr>
+        <p:spPr>
+          <a:xfrm>
+            <a:off x="8399999" y="124635"/>
+            <a:ext cx="992579" cy="415498"/>
+          </a:xfrm>
+          <a:prstGeom prst="rect">
+            <a:avLst/>
+          </a:prstGeom>
+          <a:noFill/>
+        </p:spPr>
+        <p:txBody>
+          <a:bodyPr wrap="none" rtlCol="0">
+            <a:spAutoFit/>
+          </a:bodyPr>
+          <a:lstStyle/>
+          <a:p>
+            <a:pPr algn="l"/>
+            <a:r>
+              <a:rPr lang="ja-JP" altLang="en-US" sz="2100" spc="0" baseline="0" dirty="0">
+                <a:ln/>
+                <a:solidFill>
+                  <a:srgbClr val="6881B3"/>
+                </a:solidFill>
+                <a:latin typeface="Verdana"/>
+                <a:sym typeface="Verdana"/>
+                <a:rtl val="0"/>
+              </a:rPr>
+              <a:t>営業部</a:t>
+            </a:r>
+          </a:p>
+        </p:txBody>
+      </p:sp>
+      <p:sp>
+        <p:nvSpPr>
+          <p:cNvPr id="152" name="テキスト ボックス 151">
+            <a:extLst>
+              <a:ext uri="{FF2B5EF4-FFF2-40B4-BE49-F238E27FC236}">
+                <a16:creationId xmlns:a16="http://schemas.microsoft.com/office/drawing/2014/main" id="{3895D326-3CF7-3EEA-BE17-B13B0C028703}"/>
+              </a:ext>
+            </a:extLst>
+          </p:cNvPr>
+          <p:cNvSpPr txBox="1"/>
+          <p:nvPr/>
+        </p:nvSpPr>
+        <p:spPr>
+          <a:xfrm>
+            <a:off x="5921374" y="2734264"/>
+            <a:ext cx="843501" cy="215444"/>
+          </a:xfrm>
+          <a:prstGeom prst="rect">
+            <a:avLst/>
+          </a:prstGeom>
+          <a:noFill/>
+        </p:spPr>
+        <p:txBody>
+          <a:bodyPr wrap="none" rtlCol="0">
+            <a:spAutoFit/>
+          </a:bodyPr>
+          <a:lstStyle/>
+          <a:p>
+            <a:r>
+              <a:rPr kumimoji="1" lang="en-US" altLang="ja-JP" sz="800" dirty="0"/>
+              <a:t>192.168.101.2</a:t>
+            </a:r>
+            <a:endParaRPr kumimoji="1" lang="ja-JP" altLang="en-US" sz="800" dirty="0"/>
+          </a:p>
+        </p:txBody>
+      </p:sp>
+      <p:sp>
+        <p:nvSpPr>
+          <p:cNvPr id="155" name="テキスト ボックス 154">
+            <a:extLst>
+              <a:ext uri="{FF2B5EF4-FFF2-40B4-BE49-F238E27FC236}">
+                <a16:creationId xmlns:a16="http://schemas.microsoft.com/office/drawing/2014/main" id="{A0E0D342-E127-C47E-844E-63150F3BBD1D}"/>
+              </a:ext>
+            </a:extLst>
+          </p:cNvPr>
+          <p:cNvSpPr txBox="1"/>
+          <p:nvPr/>
+        </p:nvSpPr>
+        <p:spPr>
+          <a:xfrm>
+            <a:off x="7069820" y="2734264"/>
+            <a:ext cx="843501" cy="215444"/>
+          </a:xfrm>
+          <a:prstGeom prst="rect">
+            <a:avLst/>
+          </a:prstGeom>
+          <a:noFill/>
+        </p:spPr>
+        <p:txBody>
+          <a:bodyPr wrap="none" rtlCol="0">
+            <a:spAutoFit/>
+          </a:bodyPr>
+          <a:lstStyle/>
+          <a:p>
+            <a:r>
+              <a:rPr kumimoji="1" lang="en-US" altLang="ja-JP" sz="800" dirty="0"/>
+              <a:t>192.168.101.3</a:t>
+            </a:r>
+            <a:endParaRPr kumimoji="1" lang="ja-JP" altLang="en-US" sz="800" dirty="0"/>
+          </a:p>
+        </p:txBody>
+      </p:sp>
+      <p:sp>
+        <p:nvSpPr>
+          <p:cNvPr id="157" name="テキスト ボックス 156">
+            <a:extLst>
+              <a:ext uri="{FF2B5EF4-FFF2-40B4-BE49-F238E27FC236}">
+                <a16:creationId xmlns:a16="http://schemas.microsoft.com/office/drawing/2014/main" id="{7A05E7E3-BB50-CC80-738F-980337C5F501}"/>
+              </a:ext>
+            </a:extLst>
+          </p:cNvPr>
+          <p:cNvSpPr txBox="1"/>
+          <p:nvPr/>
+        </p:nvSpPr>
+        <p:spPr>
+          <a:xfrm>
+            <a:off x="2764311" y="2225455"/>
+            <a:ext cx="843501" cy="215444"/>
+          </a:xfrm>
+          <a:prstGeom prst="rect">
+            <a:avLst/>
+          </a:prstGeom>
+          <a:noFill/>
+        </p:spPr>
+        <p:txBody>
+          <a:bodyPr wrap="none" rtlCol="0">
+            <a:spAutoFit/>
+          </a:bodyPr>
+          <a:lstStyle/>
+          <a:p>
+            <a:pPr algn="r"/>
+            <a:r>
+              <a:rPr kumimoji="1" lang="en-US" altLang="ja-JP" sz="800" dirty="0"/>
+              <a:t>192.168.102.1</a:t>
+            </a:r>
+            <a:endParaRPr kumimoji="1" lang="ja-JP" altLang="en-US" sz="800" dirty="0"/>
+          </a:p>
+        </p:txBody>
+      </p:sp>
+      <p:sp>
+        <p:nvSpPr>
+          <p:cNvPr id="158" name="テキスト ボックス 157">
+            <a:extLst>
+              <a:ext uri="{FF2B5EF4-FFF2-40B4-BE49-F238E27FC236}">
+                <a16:creationId xmlns:a16="http://schemas.microsoft.com/office/drawing/2014/main" id="{175F502A-29FF-0A38-EC6E-229143531F0C}"/>
+              </a:ext>
+            </a:extLst>
+          </p:cNvPr>
+          <p:cNvSpPr txBox="1"/>
+          <p:nvPr/>
+        </p:nvSpPr>
+        <p:spPr>
+          <a:xfrm>
+            <a:off x="4587875" y="6311496"/>
+            <a:ext cx="843501" cy="215444"/>
+          </a:xfrm>
+          <a:prstGeom prst="rect">
+            <a:avLst/>
+          </a:prstGeom>
+          <a:noFill/>
+        </p:spPr>
+        <p:txBody>
+          <a:bodyPr wrap="none" rtlCol="0">
+            <a:spAutoFit/>
+          </a:bodyPr>
+          <a:lstStyle/>
+          <a:p>
+            <a:r>
+              <a:rPr kumimoji="1" lang="en-US" altLang="ja-JP" sz="800" dirty="0"/>
+              <a:t>192.168.102.2</a:t>
+            </a:r>
+            <a:endParaRPr kumimoji="1" lang="ja-JP" altLang="en-US" sz="800" dirty="0"/>
+          </a:p>
+        </p:txBody>
+      </p:sp>
+      <p:sp>
+        <p:nvSpPr>
+          <p:cNvPr id="159" name="テキスト ボックス 158">
+            <a:extLst>
+              <a:ext uri="{FF2B5EF4-FFF2-40B4-BE49-F238E27FC236}">
+                <a16:creationId xmlns:a16="http://schemas.microsoft.com/office/drawing/2014/main" id="{9286D3EE-584D-A811-034C-D9DA19EFC8BC}"/>
+              </a:ext>
+            </a:extLst>
+          </p:cNvPr>
+          <p:cNvSpPr txBox="1"/>
+          <p:nvPr/>
+        </p:nvSpPr>
+        <p:spPr>
+          <a:xfrm>
+            <a:off x="6500736" y="919221"/>
+            <a:ext cx="843501" cy="215444"/>
+          </a:xfrm>
+          <a:prstGeom prst="rect">
+            <a:avLst/>
+          </a:prstGeom>
+          <a:noFill/>
+        </p:spPr>
+        <p:txBody>
+          <a:bodyPr wrap="none" rtlCol="0">
+            <a:spAutoFit/>
+          </a:bodyPr>
+          <a:lstStyle/>
+          <a:p>
+            <a:r>
+              <a:rPr kumimoji="1" lang="en-US" altLang="ja-JP" sz="800" dirty="0"/>
+              <a:t>192.168.101.4</a:t>
+            </a:r>
+            <a:endParaRPr kumimoji="1" lang="ja-JP" altLang="en-US" sz="800" dirty="0"/>
+          </a:p>
+        </p:txBody>
+      </p:sp>
+      <p:sp>
+        <p:nvSpPr>
+          <p:cNvPr id="160" name="テキスト ボックス 159">
+            <a:extLst>
+              <a:ext uri="{FF2B5EF4-FFF2-40B4-BE49-F238E27FC236}">
+                <a16:creationId xmlns:a16="http://schemas.microsoft.com/office/drawing/2014/main" id="{A220EE9D-58D0-61F1-AD1F-E8EA0B7518A6}"/>
+              </a:ext>
+            </a:extLst>
+          </p:cNvPr>
+          <p:cNvSpPr txBox="1"/>
+          <p:nvPr/>
+        </p:nvSpPr>
+        <p:spPr>
+          <a:xfrm>
+            <a:off x="5916832" y="6311496"/>
+            <a:ext cx="843501" cy="215444"/>
+          </a:xfrm>
+          <a:prstGeom prst="rect">
+            <a:avLst/>
+          </a:prstGeom>
+          <a:noFill/>
+        </p:spPr>
+        <p:txBody>
+          <a:bodyPr wrap="none" rtlCol="0">
+            <a:spAutoFit/>
+          </a:bodyPr>
+          <a:lstStyle/>
+          <a:p>
+            <a:r>
+              <a:rPr kumimoji="1" lang="en-US" altLang="ja-JP" sz="800" dirty="0"/>
+              <a:t>192.168.102.3</a:t>
+            </a:r>
+            <a:endParaRPr kumimoji="1" lang="ja-JP" altLang="en-US" sz="800" dirty="0"/>
+          </a:p>
+        </p:txBody>
+      </p:sp>
+      <p:sp>
+        <p:nvSpPr>
+          <p:cNvPr id="161" name="テキスト ボックス 160">
+            <a:extLst>
+              <a:ext uri="{FF2B5EF4-FFF2-40B4-BE49-F238E27FC236}">
+                <a16:creationId xmlns:a16="http://schemas.microsoft.com/office/drawing/2014/main" id="{F0C096B7-14BD-D725-F81C-0847E6724631}"/>
+              </a:ext>
+            </a:extLst>
+          </p:cNvPr>
+          <p:cNvSpPr txBox="1"/>
+          <p:nvPr/>
+        </p:nvSpPr>
+        <p:spPr>
+          <a:xfrm>
+            <a:off x="7069820" y="5585106"/>
+            <a:ext cx="843501" cy="215444"/>
+          </a:xfrm>
+          <a:prstGeom prst="rect">
+            <a:avLst/>
+          </a:prstGeom>
+          <a:noFill/>
+        </p:spPr>
+        <p:txBody>
+          <a:bodyPr wrap="none" rtlCol="0">
+            <a:spAutoFit/>
+          </a:bodyPr>
+          <a:lstStyle/>
+          <a:p>
+            <a:r>
+              <a:rPr kumimoji="1" lang="en-US" altLang="ja-JP" sz="800" dirty="0"/>
+              <a:t>192.168.102.4</a:t>
+            </a:r>
+            <a:endParaRPr kumimoji="1" lang="ja-JP" altLang="en-US" sz="800" dirty="0"/>
+          </a:p>
+        </p:txBody>
+      </p:sp>
+      <p:sp>
+        <p:nvSpPr>
+          <p:cNvPr id="163" name="テキスト ボックス 162">
+            <a:extLst>
+              <a:ext uri="{FF2B5EF4-FFF2-40B4-BE49-F238E27FC236}">
+                <a16:creationId xmlns:a16="http://schemas.microsoft.com/office/drawing/2014/main" id="{B8207924-5EC0-EDFF-A7CB-F9C03150DED6}"/>
+              </a:ext>
+            </a:extLst>
+          </p:cNvPr>
+          <p:cNvSpPr txBox="1"/>
+          <p:nvPr/>
+        </p:nvSpPr>
+        <p:spPr>
+          <a:xfrm>
+            <a:off x="7343152" y="927695"/>
+            <a:ext cx="843501" cy="215444"/>
+          </a:xfrm>
+          <a:prstGeom prst="rect">
+            <a:avLst/>
+          </a:prstGeom>
+          <a:noFill/>
+        </p:spPr>
+        <p:txBody>
+          <a:bodyPr wrap="none" rtlCol="0">
+            <a:spAutoFit/>
+          </a:bodyPr>
+          <a:lstStyle/>
+          <a:p>
+            <a:r>
+              <a:rPr kumimoji="1" lang="en-US" altLang="ja-JP" sz="800" dirty="0"/>
+              <a:t>192.168.101.5</a:t>
+            </a:r>
+            <a:endParaRPr kumimoji="1" lang="ja-JP" altLang="en-US" sz="800" dirty="0"/>
+          </a:p>
+        </p:txBody>
+      </p:sp>
+      <p:sp>
+        <p:nvSpPr>
+          <p:cNvPr id="164" name="テキスト ボックス 163">
+            <a:extLst>
+              <a:ext uri="{FF2B5EF4-FFF2-40B4-BE49-F238E27FC236}">
+                <a16:creationId xmlns:a16="http://schemas.microsoft.com/office/drawing/2014/main" id="{1C38F2D7-56AB-4C4B-C299-0FE0672F0ECA}"/>
+              </a:ext>
+            </a:extLst>
+          </p:cNvPr>
+          <p:cNvSpPr txBox="1"/>
+          <p:nvPr/>
+        </p:nvSpPr>
+        <p:spPr>
+          <a:xfrm>
+            <a:off x="5915376" y="3926354"/>
+            <a:ext cx="843501" cy="215444"/>
+          </a:xfrm>
+          <a:prstGeom prst="rect">
+            <a:avLst/>
+          </a:prstGeom>
+          <a:noFill/>
+        </p:spPr>
+        <p:txBody>
+          <a:bodyPr wrap="none" rtlCol="0">
+            <a:spAutoFit/>
+          </a:bodyPr>
+          <a:lstStyle/>
+          <a:p>
+            <a:r>
+              <a:rPr kumimoji="1" lang="en-US" altLang="ja-JP" sz="800" dirty="0"/>
+              <a:t>192.168.102.5</a:t>
+            </a:r>
+            <a:endParaRPr kumimoji="1" lang="ja-JP" altLang="en-US" sz="800" dirty="0"/>
+          </a:p>
+        </p:txBody>
+      </p:sp>
+      <p:sp>
+        <p:nvSpPr>
+          <p:cNvPr id="165" name="テキスト ボックス 164">
+            <a:extLst>
+              <a:ext uri="{FF2B5EF4-FFF2-40B4-BE49-F238E27FC236}">
+                <a16:creationId xmlns:a16="http://schemas.microsoft.com/office/drawing/2014/main" id="{B0808BC7-1B6F-0B7E-CFAB-88C365E85228}"/>
+              </a:ext>
+            </a:extLst>
+          </p:cNvPr>
+          <p:cNvSpPr txBox="1"/>
+          <p:nvPr/>
+        </p:nvSpPr>
+        <p:spPr>
+          <a:xfrm>
+            <a:off x="3403180" y="1429537"/>
+            <a:ext cx="843501" cy="215444"/>
+          </a:xfrm>
+          <a:prstGeom prst="rect">
+            <a:avLst/>
+          </a:prstGeom>
+          <a:noFill/>
+        </p:spPr>
+        <p:txBody>
+          <a:bodyPr wrap="none" rtlCol="0">
+            <a:spAutoFit/>
+          </a:bodyPr>
+          <a:lstStyle/>
+          <a:p>
+            <a:r>
+              <a:rPr kumimoji="1" lang="en-US" altLang="ja-JP" sz="800" dirty="0"/>
+              <a:t>192.168.101.1</a:t>
+            </a:r>
+            <a:endParaRPr kumimoji="1" lang="ja-JP" altLang="en-US" sz="800" dirty="0"/>
+          </a:p>
+        </p:txBody>
+      </p:sp>
+      <p:cxnSp>
+        <p:nvCxnSpPr>
+          <p:cNvPr id="7" name="直線コネクタ 6">
+            <a:extLst>
+              <a:ext uri="{FF2B5EF4-FFF2-40B4-BE49-F238E27FC236}">
+                <a16:creationId xmlns:a16="http://schemas.microsoft.com/office/drawing/2014/main" id="{65A03852-F3E4-DDCE-06F9-9953B5F78EFE}"/>
+              </a:ext>
+            </a:extLst>
+          </p:cNvPr>
+          <p:cNvCxnSpPr>
+            <a:cxnSpLocks/>
+            <a:stCxn id="172" idx="2"/>
+            <a:endCxn id="204" idx="0"/>
+          </p:cNvCxnSpPr>
+          <p:nvPr/>
+        </p:nvCxnSpPr>
+        <p:spPr>
+          <a:xfrm>
+            <a:off x="825323" y="921600"/>
+            <a:ext cx="0" cy="358397"/>
+          </a:xfrm>
+          <a:prstGeom prst="line">
+            <a:avLst/>
+          </a:prstGeom>
+          <a:ln w="19050">
+            <a:solidFill>
+              <a:schemeClr val="tx1"/>
+            </a:solidFill>
+          </a:ln>
+        </p:spPr>
+        <p:style>
+          <a:lnRef idx="1">
+            <a:schemeClr val="dk1"/>
+          </a:lnRef>
+          <a:fillRef idx="0">
+            <a:schemeClr val="dk1"/>
+          </a:fillRef>
+          <a:effectRef idx="0">
+            <a:schemeClr val="dk1"/>
+          </a:effectRef>
+          <a:fontRef idx="minor">
+            <a:schemeClr val="tx1"/>
+          </a:fontRef>
+        </p:style>
+      </p:cxnSp>
+      <p:sp>
+        <p:nvSpPr>
+          <p:cNvPr id="154" name="四角形: 角を丸くする 153">
+            <a:extLst>
+              <a:ext uri="{FF2B5EF4-FFF2-40B4-BE49-F238E27FC236}">
+                <a16:creationId xmlns:a16="http://schemas.microsoft.com/office/drawing/2014/main" id="{A8E31C3F-99D8-BBA0-2A9C-5E640AE2AA2C}"/>
+              </a:ext>
+            </a:extLst>
+          </p:cNvPr>
+          <p:cNvSpPr/>
+          <p:nvPr/>
+        </p:nvSpPr>
+        <p:spPr>
+          <a:xfrm>
+            <a:off x="4308806" y="125080"/>
+            <a:ext cx="5400000" cy="3241377"/>
+          </a:xfrm>
+          <a:prstGeom prst="roundRect">
+            <a:avLst>
+              <a:gd name="adj" fmla="val 11129"/>
+            </a:avLst>
+          </a:prstGeom>
+          <a:noFill/>
+          <a:ln>
+            <a:solidFill>
+              <a:srgbClr val="007CC4"/>
+            </a:solidFill>
+          </a:ln>
+        </p:spPr>
+        <p:style>
+          <a:lnRef idx="2">
+            <a:schemeClr val="accent1">
+              <a:shade val="50000"/>
+            </a:schemeClr>
+          </a:lnRef>
+          <a:fillRef idx="1">
+            <a:schemeClr val="accent1"/>
+          </a:fillRef>
+          <a:effectRef idx="0">
+            <a:schemeClr val="accent1"/>
+          </a:effectRef>
+          <a:fontRef idx="minor">
+            <a:schemeClr val="lt1"/>
+          </a:fontRef>
+        </p:style>
+        <p:txBody>
+          <a:bodyPr rtlCol="0" anchor="ctr"/>
+          <a:lstStyle/>
+          <a:p>
+            <a:pPr algn="ctr"/>
+            <a:endParaRPr kumimoji="1" lang="ja-JP" altLang="en-US"/>
+          </a:p>
+        </p:txBody>
+      </p:sp>
+      <p:sp>
+        <p:nvSpPr>
+          <p:cNvPr id="169" name="四角形: 角を丸くする 168">
+            <a:extLst>
+              <a:ext uri="{FF2B5EF4-FFF2-40B4-BE49-F238E27FC236}">
+                <a16:creationId xmlns:a16="http://schemas.microsoft.com/office/drawing/2014/main" id="{BEE2ABE9-BBB2-16CF-411E-346E311DED9A}"/>
+              </a:ext>
+            </a:extLst>
+          </p:cNvPr>
+          <p:cNvSpPr/>
+          <p:nvPr/>
+        </p:nvSpPr>
+        <p:spPr>
+          <a:xfrm>
+            <a:off x="4308805" y="3491988"/>
+            <a:ext cx="5400000" cy="3241377"/>
+          </a:xfrm>
+          <a:prstGeom prst="roundRect">
+            <a:avLst>
+              <a:gd name="adj" fmla="val 11129"/>
+            </a:avLst>
+          </a:prstGeom>
+          <a:noFill/>
+          <a:ln>
+            <a:solidFill>
+              <a:srgbClr val="007CC4"/>
+            </a:solidFill>
+          </a:ln>
+        </p:spPr>
+        <p:style>
+          <a:lnRef idx="2">
+            <a:schemeClr val="accent1">
+              <a:shade val="50000"/>
+            </a:schemeClr>
+          </a:lnRef>
+          <a:fillRef idx="1">
+            <a:schemeClr val="accent1"/>
+          </a:fillRef>
+          <a:effectRef idx="0">
+            <a:schemeClr val="accent1"/>
+          </a:effectRef>
+          <a:fontRef idx="minor">
+            <a:schemeClr val="lt1"/>
+          </a:fontRef>
+        </p:style>
+        <p:txBody>
+          <a:bodyPr rtlCol="0" anchor="ctr"/>
+          <a:lstStyle/>
+          <a:p>
+            <a:pPr algn="ctr"/>
+            <a:endParaRPr kumimoji="1" lang="ja-JP" altLang="en-US"/>
+          </a:p>
+        </p:txBody>
+      </p:sp>
+      <p:pic>
+        <p:nvPicPr>
+          <p:cNvPr id="172" name="図 171">
+            <a:extLst>
+              <a:ext uri="{FF2B5EF4-FFF2-40B4-BE49-F238E27FC236}">
+                <a16:creationId xmlns:a16="http://schemas.microsoft.com/office/drawing/2014/main" id="{37C93DDA-7321-9E67-A449-5352CB5136AE}"/>
+              </a:ext>
+            </a:extLst>
+          </p:cNvPr>
+          <p:cNvPicPr>
+            <a:picLocks noChangeAspect="1"/>
+          </p:cNvPicPr>
+          <p:nvPr/>
+        </p:nvPicPr>
+        <p:blipFill>
+          <a:blip r:embed="rId2">
+            <a:clrChange>
+              <a:clrFrom>
+                <a:srgbClr val="FFFFFF"/>
+              </a:clrFrom>
+              <a:clrTo>
+                <a:srgbClr val="FFFFFF">
+                  <a:alpha val="0"/>
+                </a:srgbClr>
+              </a:clrTo>
+            </a:clrChange>
+          </a:blip>
+          <a:stretch>
+            <a:fillRect/>
+          </a:stretch>
+        </p:blipFill>
+        <p:spPr>
+          <a:xfrm>
+            <a:off x="25323" y="201600"/>
+            <a:ext cx="1600000" cy="720000"/>
+          </a:xfrm>
+          <a:prstGeom prst="rect">
+            <a:avLst/>
+          </a:prstGeom>
+        </p:spPr>
+      </p:pic>
+      <p:pic>
+        <p:nvPicPr>
+          <p:cNvPr id="192" name="図 191" descr="アイコン&#10;&#10;自動的に生成された説明">
+            <a:extLst>
+              <a:ext uri="{FF2B5EF4-FFF2-40B4-BE49-F238E27FC236}">
+                <a16:creationId xmlns:a16="http://schemas.microsoft.com/office/drawing/2014/main" id="{6E00348A-397E-A093-C640-F7C4A0FCE915}"/>
+              </a:ext>
+            </a:extLst>
+          </p:cNvPr>
+          <p:cNvPicPr>
+            <a:picLocks noChangeAspect="1"/>
+          </p:cNvPicPr>
+          <p:nvPr/>
+        </p:nvPicPr>
+        <p:blipFill rotWithShape="1">
+          <a:blip r:embed="rId3">
+            <a:extLst>
+              <a:ext uri="{28A0092B-C50C-407E-A947-70E740481C1C}">
+                <a14:useLocalDpi xmlns:a14="http://schemas.microsoft.com/office/drawing/2010/main" val="0"/>
+              </a:ext>
+            </a:extLst>
+          </a:blip>
+          <a:srcRect l="736" t="20123" r="766" b="19879"/>
+          <a:stretch/>
+        </p:blipFill>
+        <p:spPr>
+          <a:xfrm>
+            <a:off x="4412869" y="5585106"/>
+            <a:ext cx="1182011" cy="720000"/>
+          </a:xfrm>
+          <a:prstGeom prst="rect">
+            <a:avLst/>
+          </a:prstGeom>
+        </p:spPr>
+      </p:pic>
+      <p:pic>
+        <p:nvPicPr>
+          <p:cNvPr id="194" name="図 193" descr="黒い背景に白い文字がある&#10;&#10;中程度の精度で自動的に生成された説明">
+            <a:extLst>
+              <a:ext uri="{FF2B5EF4-FFF2-40B4-BE49-F238E27FC236}">
+                <a16:creationId xmlns:a16="http://schemas.microsoft.com/office/drawing/2014/main" id="{6136FB97-BC33-0AC0-F7E8-B399BC80D8C4}"/>
+              </a:ext>
+            </a:extLst>
+          </p:cNvPr>
+          <p:cNvPicPr>
+            <a:picLocks noChangeAspect="1"/>
+          </p:cNvPicPr>
+          <p:nvPr/>
+        </p:nvPicPr>
+        <p:blipFill rotWithShape="1">
+          <a:blip r:embed="rId4">
+            <a:extLst>
+              <a:ext uri="{28A0092B-C50C-407E-A947-70E740481C1C}">
+                <a14:useLocalDpi xmlns:a14="http://schemas.microsoft.com/office/drawing/2010/main" val="0"/>
+              </a:ext>
+            </a:extLst>
+          </a:blip>
+          <a:srcRect l="8087" t="9539" r="7177" b="11084"/>
+          <a:stretch/>
+        </p:blipFill>
+        <p:spPr>
+          <a:xfrm>
+            <a:off x="1395073" y="3066326"/>
+            <a:ext cx="768624" cy="720000"/>
+          </a:xfrm>
+          <a:prstGeom prst="rect">
+            <a:avLst/>
+          </a:prstGeom>
+        </p:spPr>
+      </p:pic>
+      <p:pic>
+        <p:nvPicPr>
+          <p:cNvPr id="196" name="図 195" descr="ロゴ が含まれている画像&#10;&#10;自動的に生成された説明">
+            <a:extLst>
+              <a:ext uri="{FF2B5EF4-FFF2-40B4-BE49-F238E27FC236}">
+                <a16:creationId xmlns:a16="http://schemas.microsoft.com/office/drawing/2014/main" id="{57345C25-92C0-B2BA-EF98-930361349050}"/>
+              </a:ext>
+            </a:extLst>
+          </p:cNvPr>
+          <p:cNvPicPr>
+            <a:picLocks noChangeAspect="1"/>
+          </p:cNvPicPr>
+          <p:nvPr/>
+        </p:nvPicPr>
+        <p:blipFill rotWithShape="1">
+          <a:blip r:embed="rId5">
+            <a:extLst>
+              <a:ext uri="{28A0092B-C50C-407E-A947-70E740481C1C}">
+                <a14:useLocalDpi xmlns:a14="http://schemas.microsoft.com/office/drawing/2010/main" val="0"/>
+              </a:ext>
+            </a:extLst>
+          </a:blip>
+          <a:srcRect l="14156" t="14157" r="13863" b="14192"/>
+          <a:stretch/>
+        </p:blipFill>
+        <p:spPr>
+          <a:xfrm>
+            <a:off x="144849" y="82277"/>
+            <a:ext cx="361661" cy="360000"/>
+          </a:xfrm>
+          <a:prstGeom prst="rect">
+            <a:avLst/>
+          </a:prstGeom>
+        </p:spPr>
+      </p:pic>
+      <p:grpSp>
+        <p:nvGrpSpPr>
+          <p:cNvPr id="221" name="グループ化 220">
+            <a:extLst>
+              <a:ext uri="{FF2B5EF4-FFF2-40B4-BE49-F238E27FC236}">
+                <a16:creationId xmlns:a16="http://schemas.microsoft.com/office/drawing/2014/main" id="{1969A17D-AC79-B89B-546B-C30E3945B7E9}"/>
+              </a:ext>
+            </a:extLst>
+          </p:cNvPr>
+          <p:cNvGrpSpPr/>
+          <p:nvPr/>
+        </p:nvGrpSpPr>
+        <p:grpSpPr>
+          <a:xfrm>
+            <a:off x="2568000" y="1279997"/>
+            <a:ext cx="833598" cy="935444"/>
+            <a:chOff x="5852000" y="5225359"/>
+            <a:chExt cx="833598" cy="935444"/>
+          </a:xfrm>
+        </p:grpSpPr>
+        <p:sp>
+          <p:nvSpPr>
+            <p:cNvPr id="188" name="テキスト ボックス 187">
+              <a:extLst>
+                <a:ext uri="{FF2B5EF4-FFF2-40B4-BE49-F238E27FC236}">
+                  <a16:creationId xmlns:a16="http://schemas.microsoft.com/office/drawing/2014/main" id="{33FBB77C-59D1-6636-8486-23413571072A}"/>
+                </a:ext>
+              </a:extLst>
+            </p:cNvPr>
+            <p:cNvSpPr txBox="1"/>
+            <p:nvPr/>
+          </p:nvSpPr>
+          <p:spPr>
+            <a:xfrm>
+              <a:off x="5907161" y="5945359"/>
+              <a:ext cx="713657" cy="215444"/>
+            </a:xfrm>
+            <a:prstGeom prst="rect">
+              <a:avLst/>
+            </a:prstGeom>
+            <a:noFill/>
+          </p:spPr>
+          <p:txBody>
+            <a:bodyPr wrap="none" rtlCol="0">
+              <a:spAutoFit/>
+            </a:bodyPr>
+            <a:lstStyle/>
+            <a:p>
+              <a:pPr algn="ctr"/>
+              <a:r>
+                <a:rPr kumimoji="1" lang="en-US" altLang="ja-JP" sz="800" dirty="0"/>
+                <a:t>L3</a:t>
+              </a:r>
+              <a:r>
+                <a:rPr kumimoji="1" lang="ja-JP" altLang="en-US" sz="800" dirty="0"/>
+                <a:t>スイッチ</a:t>
+              </a:r>
+            </a:p>
+          </p:txBody>
+        </p:sp>
+        <p:pic>
+          <p:nvPicPr>
+            <p:cNvPr id="200" name="図 199" descr="ロゴ, アイコン&#10;&#10;自動的に生成された説明">
+              <a:extLst>
+                <a:ext uri="{FF2B5EF4-FFF2-40B4-BE49-F238E27FC236}">
+                  <a16:creationId xmlns:a16="http://schemas.microsoft.com/office/drawing/2014/main" id="{F9A1A1E4-0D53-44A1-43D5-E922E8ABEB31}"/>
+                </a:ext>
+              </a:extLst>
+            </p:cNvPr>
+            <p:cNvPicPr>
+              <a:picLocks noChangeAspect="1"/>
+            </p:cNvPicPr>
+            <p:nvPr/>
+          </p:nvPicPr>
+          <p:blipFill rotWithShape="1">
+            <a:blip r:embed="rId6">
+              <a:extLst>
+                <a:ext uri="{28A0092B-C50C-407E-A947-70E740481C1C}">
+                  <a14:useLocalDpi xmlns:a14="http://schemas.microsoft.com/office/drawing/2010/main" val="0"/>
+                </a:ext>
+              </a:extLst>
+            </a:blip>
+            <a:srcRect l="8005" t="9540" b="11002"/>
+            <a:stretch/>
+          </p:blipFill>
+          <p:spPr>
+            <a:xfrm>
+              <a:off x="5852000" y="5225359"/>
+              <a:ext cx="833598" cy="720000"/>
+            </a:xfrm>
+            <a:prstGeom prst="rect">
+              <a:avLst/>
+            </a:prstGeom>
+          </p:spPr>
+        </p:pic>
+      </p:grpSp>
+      <p:pic>
+        <p:nvPicPr>
+          <p:cNvPr id="202" name="図 201" descr="アイコン&#10;&#10;自動的に生成された説明">
+            <a:extLst>
+              <a:ext uri="{FF2B5EF4-FFF2-40B4-BE49-F238E27FC236}">
+                <a16:creationId xmlns:a16="http://schemas.microsoft.com/office/drawing/2014/main" id="{A3E3CB67-9AAD-95D4-B8DA-80F919F59F7B}"/>
+              </a:ext>
+            </a:extLst>
+          </p:cNvPr>
+          <p:cNvPicPr>
+            <a:picLocks noChangeAspect="1"/>
+          </p:cNvPicPr>
+          <p:nvPr/>
+        </p:nvPicPr>
+        <p:blipFill rotWithShape="1">
+          <a:blip r:embed="rId7">
+            <a:extLst>
+              <a:ext uri="{28A0092B-C50C-407E-A947-70E740481C1C}">
+                <a14:useLocalDpi xmlns:a14="http://schemas.microsoft.com/office/drawing/2010/main" val="0"/>
+              </a:ext>
+            </a:extLst>
+          </a:blip>
+          <a:srcRect l="5135" t="20204" r="4247" b="22863"/>
+          <a:stretch/>
+        </p:blipFill>
+        <p:spPr>
+          <a:xfrm>
+            <a:off x="6918570" y="2008676"/>
+            <a:ext cx="1146002" cy="720000"/>
+          </a:xfrm>
+          <a:prstGeom prst="rect">
+            <a:avLst/>
+          </a:prstGeom>
+        </p:spPr>
+      </p:pic>
+      <p:grpSp>
+        <p:nvGrpSpPr>
+          <p:cNvPr id="205" name="グループ化 204">
+            <a:extLst>
+              <a:ext uri="{FF2B5EF4-FFF2-40B4-BE49-F238E27FC236}">
+                <a16:creationId xmlns:a16="http://schemas.microsoft.com/office/drawing/2014/main" id="{83EF224A-5383-A5CC-B7D4-D3AEFD3044B9}"/>
+              </a:ext>
+            </a:extLst>
+          </p:cNvPr>
+          <p:cNvGrpSpPr/>
+          <p:nvPr/>
+        </p:nvGrpSpPr>
+        <p:grpSpPr>
+          <a:xfrm>
+            <a:off x="616597" y="1279997"/>
+            <a:ext cx="417450" cy="935444"/>
+            <a:chOff x="652186" y="3069000"/>
+            <a:chExt cx="417450" cy="935444"/>
+          </a:xfrm>
+        </p:grpSpPr>
+        <p:sp>
+          <p:nvSpPr>
+            <p:cNvPr id="162" name="テキスト ボックス 161">
+              <a:extLst>
+                <a:ext uri="{FF2B5EF4-FFF2-40B4-BE49-F238E27FC236}">
+                  <a16:creationId xmlns:a16="http://schemas.microsoft.com/office/drawing/2014/main" id="{AE937CD2-C537-C9B5-1787-DF52CFAC587E}"/>
+                </a:ext>
+              </a:extLst>
+            </p:cNvPr>
+            <p:cNvSpPr txBox="1"/>
+            <p:nvPr/>
+          </p:nvSpPr>
+          <p:spPr>
+            <a:xfrm>
+              <a:off x="652186" y="3789000"/>
+              <a:ext cx="412292" cy="215444"/>
+            </a:xfrm>
+            <a:prstGeom prst="rect">
+              <a:avLst/>
+            </a:prstGeom>
+            <a:noFill/>
+          </p:spPr>
+          <p:txBody>
+            <a:bodyPr wrap="none" rtlCol="0">
+              <a:spAutoFit/>
+            </a:bodyPr>
+            <a:lstStyle/>
+            <a:p>
+              <a:pPr algn="ctr"/>
+              <a:r>
+                <a:rPr lang="en-US" altLang="ja-JP" sz="800" dirty="0"/>
+                <a:t>ONU</a:t>
+              </a:r>
+              <a:endParaRPr kumimoji="1" lang="ja-JP" altLang="en-US" sz="800" dirty="0"/>
+            </a:p>
+          </p:txBody>
+        </p:sp>
+        <p:pic>
+          <p:nvPicPr>
+            <p:cNvPr id="204" name="図 203" descr="アイコン&#10;&#10;自動的に生成された説明">
+              <a:extLst>
+                <a:ext uri="{FF2B5EF4-FFF2-40B4-BE49-F238E27FC236}">
+                  <a16:creationId xmlns:a16="http://schemas.microsoft.com/office/drawing/2014/main" id="{3A38B6C3-5D77-FEA1-514E-47B178C4C931}"/>
+                </a:ext>
+              </a:extLst>
+            </p:cNvPr>
+            <p:cNvPicPr>
+              <a:picLocks noChangeAspect="1"/>
+            </p:cNvPicPr>
+            <p:nvPr/>
+          </p:nvPicPr>
+          <p:blipFill rotWithShape="1">
+            <a:blip r:embed="rId8">
+              <a:extLst>
+                <a:ext uri="{28A0092B-C50C-407E-A947-70E740481C1C}">
+                  <a14:useLocalDpi xmlns:a14="http://schemas.microsoft.com/office/drawing/2010/main" val="0"/>
+                </a:ext>
+              </a:extLst>
+            </a:blip>
+            <a:srcRect l="24925" t="4671" r="22910" b="5355"/>
+            <a:stretch/>
+          </p:blipFill>
+          <p:spPr>
+            <a:xfrm>
+              <a:off x="652187" y="3069000"/>
+              <a:ext cx="417449" cy="720000"/>
+            </a:xfrm>
+            <a:prstGeom prst="rect">
+              <a:avLst/>
+            </a:prstGeom>
+          </p:spPr>
+        </p:pic>
+      </p:grpSp>
+      <p:pic>
+        <p:nvPicPr>
+          <p:cNvPr id="207" name="図 206" descr="アイコン&#10;&#10;自動的に生成された説明">
+            <a:extLst>
+              <a:ext uri="{FF2B5EF4-FFF2-40B4-BE49-F238E27FC236}">
+                <a16:creationId xmlns:a16="http://schemas.microsoft.com/office/drawing/2014/main" id="{4229F76C-3D96-D906-047D-A628175B9ED3}"/>
+              </a:ext>
+            </a:extLst>
+          </p:cNvPr>
+          <p:cNvPicPr>
+            <a:picLocks noChangeAspect="1"/>
+          </p:cNvPicPr>
+          <p:nvPr/>
+        </p:nvPicPr>
+        <p:blipFill rotWithShape="1">
+          <a:blip r:embed="rId9">
+            <a:extLst>
+              <a:ext uri="{28A0092B-C50C-407E-A947-70E740481C1C}">
+                <a14:useLocalDpi xmlns:a14="http://schemas.microsoft.com/office/drawing/2010/main" val="0"/>
+              </a:ext>
+            </a:extLst>
+          </a:blip>
+          <a:srcRect l="14156" t="15854" r="13736" b="16737"/>
+          <a:stretch/>
+        </p:blipFill>
+        <p:spPr>
+          <a:xfrm>
+            <a:off x="1388186" y="3788188"/>
+            <a:ext cx="770205" cy="720000"/>
+          </a:xfrm>
+          <a:prstGeom prst="rect">
+            <a:avLst/>
+          </a:prstGeom>
+        </p:spPr>
+      </p:pic>
+      <p:pic>
+        <p:nvPicPr>
+          <p:cNvPr id="211" name="図 210" descr="アイコン&#10;&#10;自動的に生成された説明">
+            <a:extLst>
+              <a:ext uri="{FF2B5EF4-FFF2-40B4-BE49-F238E27FC236}">
+                <a16:creationId xmlns:a16="http://schemas.microsoft.com/office/drawing/2014/main" id="{F4A7E006-0C5E-FF6E-5B13-8DCD468244FA}"/>
+              </a:ext>
+            </a:extLst>
+          </p:cNvPr>
+          <p:cNvPicPr>
+            <a:picLocks noChangeAspect="1"/>
+          </p:cNvPicPr>
+          <p:nvPr/>
+        </p:nvPicPr>
+        <p:blipFill rotWithShape="1">
+          <a:blip r:embed="rId10">
+            <a:extLst>
+              <a:ext uri="{28A0092B-C50C-407E-A947-70E740481C1C}">
+                <a14:useLocalDpi xmlns:a14="http://schemas.microsoft.com/office/drawing/2010/main" val="0"/>
+              </a:ext>
+            </a:extLst>
+          </a:blip>
+          <a:srcRect l="19462" t="8425" r="19167" b="8548"/>
+          <a:stretch/>
+        </p:blipFill>
+        <p:spPr>
+          <a:xfrm>
+            <a:off x="2156479" y="4865106"/>
+            <a:ext cx="532208" cy="720000"/>
+          </a:xfrm>
+          <a:prstGeom prst="rect">
+            <a:avLst/>
+          </a:prstGeom>
+        </p:spPr>
+      </p:pic>
+      <p:pic>
+        <p:nvPicPr>
+          <p:cNvPr id="213" name="図 212" descr="アイコン&#10;&#10;自動的に生成された説明">
+            <a:extLst>
+              <a:ext uri="{FF2B5EF4-FFF2-40B4-BE49-F238E27FC236}">
+                <a16:creationId xmlns:a16="http://schemas.microsoft.com/office/drawing/2014/main" id="{25A46AD9-8869-B4FA-0E15-5D33EF57FD9E}"/>
+              </a:ext>
+            </a:extLst>
+          </p:cNvPr>
+          <p:cNvPicPr>
+            <a:picLocks noChangeAspect="1"/>
+          </p:cNvPicPr>
+          <p:nvPr/>
+        </p:nvPicPr>
+        <p:blipFill rotWithShape="1">
+          <a:blip r:embed="rId11">
+            <a:extLst>
+              <a:ext uri="{28A0092B-C50C-407E-A947-70E740481C1C}">
+                <a14:useLocalDpi xmlns:a14="http://schemas.microsoft.com/office/drawing/2010/main" val="0"/>
+              </a:ext>
+            </a:extLst>
+          </a:blip>
+          <a:srcRect l="19462" t="8425" r="19332" b="8793"/>
+          <a:stretch/>
+        </p:blipFill>
+        <p:spPr>
+          <a:xfrm>
+            <a:off x="1507117" y="5225106"/>
+            <a:ext cx="532342" cy="720000"/>
+          </a:xfrm>
+          <a:prstGeom prst="rect">
+            <a:avLst/>
+          </a:prstGeom>
+        </p:spPr>
+      </p:pic>
+      <p:pic>
+        <p:nvPicPr>
+          <p:cNvPr id="215" name="図 214" descr="アイコン&#10;&#10;自動的に生成された説明">
+            <a:extLst>
+              <a:ext uri="{FF2B5EF4-FFF2-40B4-BE49-F238E27FC236}">
+                <a16:creationId xmlns:a16="http://schemas.microsoft.com/office/drawing/2014/main" id="{C88CB327-7BD7-2024-0E62-12A8017CB9D2}"/>
+              </a:ext>
+            </a:extLst>
+          </p:cNvPr>
+          <p:cNvPicPr>
+            <a:picLocks noChangeAspect="1"/>
+          </p:cNvPicPr>
+          <p:nvPr/>
+        </p:nvPicPr>
+        <p:blipFill rotWithShape="1">
+          <a:blip r:embed="rId12">
+            <a:extLst>
+              <a:ext uri="{28A0092B-C50C-407E-A947-70E740481C1C}">
+                <a14:useLocalDpi xmlns:a14="http://schemas.microsoft.com/office/drawing/2010/main" val="0"/>
+              </a:ext>
+            </a:extLst>
+          </a:blip>
+          <a:srcRect l="29251" t="14284" r="28750" b="13596"/>
+          <a:stretch/>
+        </p:blipFill>
+        <p:spPr>
+          <a:xfrm>
+            <a:off x="6708924" y="198859"/>
+            <a:ext cx="419292" cy="720000"/>
+          </a:xfrm>
+          <a:prstGeom prst="rect">
+            <a:avLst/>
+          </a:prstGeom>
+        </p:spPr>
+      </p:pic>
+      <p:pic>
+        <p:nvPicPr>
+          <p:cNvPr id="217" name="図 216" descr="アイコン&#10;&#10;自動的に生成された説明">
+            <a:extLst>
+              <a:ext uri="{FF2B5EF4-FFF2-40B4-BE49-F238E27FC236}">
+                <a16:creationId xmlns:a16="http://schemas.microsoft.com/office/drawing/2014/main" id="{E619EFD8-AEDF-0F9F-AC3B-B5CF6219D67C}"/>
+              </a:ext>
+            </a:extLst>
+          </p:cNvPr>
+          <p:cNvPicPr>
+            <a:picLocks noChangeAspect="1"/>
+          </p:cNvPicPr>
+          <p:nvPr/>
+        </p:nvPicPr>
+        <p:blipFill rotWithShape="1">
+          <a:blip r:embed="rId13">
+            <a:extLst>
+              <a:ext uri="{28A0092B-C50C-407E-A947-70E740481C1C}">
+                <a14:useLocalDpi xmlns:a14="http://schemas.microsoft.com/office/drawing/2010/main" val="0"/>
+              </a:ext>
+            </a:extLst>
+          </a:blip>
+          <a:srcRect l="19805" t="9080" r="19626" b="8957"/>
+          <a:stretch/>
+        </p:blipFill>
+        <p:spPr>
+          <a:xfrm>
+            <a:off x="7498867" y="202107"/>
+            <a:ext cx="532072" cy="720000"/>
+          </a:xfrm>
+          <a:prstGeom prst="rect">
+            <a:avLst/>
+          </a:prstGeom>
+        </p:spPr>
+      </p:pic>
+      <p:grpSp>
+        <p:nvGrpSpPr>
+          <p:cNvPr id="220" name="グループ化 219">
+            <a:extLst>
+              <a:ext uri="{FF2B5EF4-FFF2-40B4-BE49-F238E27FC236}">
+                <a16:creationId xmlns:a16="http://schemas.microsoft.com/office/drawing/2014/main" id="{31670610-0F18-1E4B-7285-4F0C024A7C3F}"/>
+              </a:ext>
+            </a:extLst>
+          </p:cNvPr>
+          <p:cNvGrpSpPr/>
+          <p:nvPr/>
+        </p:nvGrpSpPr>
+        <p:grpSpPr>
+          <a:xfrm>
+            <a:off x="1336597" y="1279997"/>
+            <a:ext cx="878767" cy="935444"/>
+            <a:chOff x="4034476" y="4009261"/>
+            <a:chExt cx="878767" cy="935444"/>
+          </a:xfrm>
+        </p:grpSpPr>
+        <p:sp>
+          <p:nvSpPr>
+            <p:cNvPr id="182" name="テキスト ボックス 181">
+              <a:extLst>
+                <a:ext uri="{FF2B5EF4-FFF2-40B4-BE49-F238E27FC236}">
+                  <a16:creationId xmlns:a16="http://schemas.microsoft.com/office/drawing/2014/main" id="{1EC73EFD-1687-98EB-B184-C20E52950373}"/>
+                </a:ext>
+              </a:extLst>
+            </p:cNvPr>
+            <p:cNvSpPr txBox="1"/>
+            <p:nvPr/>
+          </p:nvSpPr>
+          <p:spPr>
+            <a:xfrm>
+              <a:off x="4034476" y="4729261"/>
+              <a:ext cx="878767" cy="215444"/>
+            </a:xfrm>
+            <a:prstGeom prst="rect">
+              <a:avLst/>
+            </a:prstGeom>
+            <a:noFill/>
+          </p:spPr>
+          <p:txBody>
+            <a:bodyPr wrap="none" rtlCol="0">
+              <a:spAutoFit/>
+            </a:bodyPr>
+            <a:lstStyle/>
+            <a:p>
+              <a:pPr algn="ctr"/>
+              <a:r>
+                <a:rPr kumimoji="1" lang="ja-JP" altLang="en-US" sz="800" dirty="0"/>
+                <a:t>ルーター</a:t>
+              </a:r>
+              <a:r>
+                <a:rPr kumimoji="1" lang="en-US" altLang="ja-JP" sz="800" dirty="0"/>
+                <a:t>/UTM</a:t>
+              </a:r>
+              <a:endParaRPr kumimoji="1" lang="ja-JP" altLang="en-US" sz="800" dirty="0"/>
+            </a:p>
+          </p:txBody>
+        </p:sp>
+        <p:pic>
+          <p:nvPicPr>
+            <p:cNvPr id="219" name="図 218" descr="黒い背景に白い文字がある&#10;&#10;中程度の精度で自動的に生成された説明">
+              <a:extLst>
+                <a:ext uri="{FF2B5EF4-FFF2-40B4-BE49-F238E27FC236}">
+                  <a16:creationId xmlns:a16="http://schemas.microsoft.com/office/drawing/2014/main" id="{CD83F871-53E3-A057-E1C7-233C86D7E624}"/>
+                </a:ext>
+              </a:extLst>
+            </p:cNvPr>
+            <p:cNvPicPr>
+              <a:picLocks noChangeAspect="1"/>
+            </p:cNvPicPr>
+            <p:nvPr/>
+          </p:nvPicPr>
+          <p:blipFill rotWithShape="1">
+            <a:blip r:embed="rId14">
+              <a:extLst>
+                <a:ext uri="{28A0092B-C50C-407E-A947-70E740481C1C}">
+                  <a14:useLocalDpi xmlns:a14="http://schemas.microsoft.com/office/drawing/2010/main" val="0"/>
+                </a:ext>
+              </a:extLst>
+            </a:blip>
+            <a:srcRect l="7946" t="9540" r="1150" b="6398"/>
+            <a:stretch/>
+          </p:blipFill>
+          <p:spPr>
+            <a:xfrm>
+              <a:off x="4084562" y="4009261"/>
+              <a:ext cx="778596" cy="720000"/>
+            </a:xfrm>
+            <a:prstGeom prst="rect">
+              <a:avLst/>
+            </a:prstGeom>
+          </p:spPr>
+        </p:pic>
+      </p:grpSp>
+      <p:cxnSp>
+        <p:nvCxnSpPr>
+          <p:cNvPr id="232" name="直線コネクタ 231">
+            <a:extLst>
+              <a:ext uri="{FF2B5EF4-FFF2-40B4-BE49-F238E27FC236}">
+                <a16:creationId xmlns:a16="http://schemas.microsoft.com/office/drawing/2014/main" id="{DAF32574-EA9E-BB52-865F-8030E33ED5FF}"/>
+              </a:ext>
+            </a:extLst>
+          </p:cNvPr>
+          <p:cNvCxnSpPr>
+            <a:cxnSpLocks/>
+            <a:stCxn id="219" idx="1"/>
+            <a:endCxn id="204" idx="3"/>
+          </p:cNvCxnSpPr>
+          <p:nvPr/>
+        </p:nvCxnSpPr>
+        <p:spPr>
+          <a:xfrm flipH="1">
+            <a:off x="1034047" y="1639997"/>
+            <a:ext cx="352636" cy="0"/>
+          </a:xfrm>
+          <a:prstGeom prst="line">
+            <a:avLst/>
+          </a:prstGeom>
+          <a:ln w="19050">
+            <a:solidFill>
+              <a:schemeClr val="tx1"/>
+            </a:solidFill>
+          </a:ln>
+        </p:spPr>
+        <p:style>
+          <a:lnRef idx="1">
+            <a:schemeClr val="dk1"/>
+          </a:lnRef>
+          <a:fillRef idx="0">
+            <a:schemeClr val="dk1"/>
+          </a:fillRef>
+          <a:effectRef idx="0">
+            <a:schemeClr val="dk1"/>
+          </a:effectRef>
+          <a:fontRef idx="minor">
+            <a:schemeClr val="tx1"/>
+          </a:fontRef>
+        </p:style>
+      </p:cxnSp>
+      <p:cxnSp>
+        <p:nvCxnSpPr>
+          <p:cNvPr id="235" name="直線コネクタ 234">
+            <a:extLst>
+              <a:ext uri="{FF2B5EF4-FFF2-40B4-BE49-F238E27FC236}">
+                <a16:creationId xmlns:a16="http://schemas.microsoft.com/office/drawing/2014/main" id="{14D20DFD-9F40-29B7-1AE7-A0602D63DA68}"/>
+              </a:ext>
+            </a:extLst>
+          </p:cNvPr>
+          <p:cNvCxnSpPr>
+            <a:cxnSpLocks/>
+            <a:stCxn id="200" idx="1"/>
+            <a:endCxn id="219" idx="3"/>
+          </p:cNvCxnSpPr>
+          <p:nvPr/>
+        </p:nvCxnSpPr>
+        <p:spPr>
+          <a:xfrm flipH="1">
+            <a:off x="2165279" y="1639997"/>
+            <a:ext cx="402721" cy="0"/>
+          </a:xfrm>
+          <a:prstGeom prst="line">
+            <a:avLst/>
+          </a:prstGeom>
+          <a:ln w="19050">
+            <a:solidFill>
+              <a:schemeClr val="tx1"/>
+            </a:solidFill>
+          </a:ln>
+        </p:spPr>
+        <p:style>
+          <a:lnRef idx="1">
+            <a:schemeClr val="dk1"/>
+          </a:lnRef>
+          <a:fillRef idx="0">
+            <a:schemeClr val="dk1"/>
+          </a:fillRef>
+          <a:effectRef idx="0">
+            <a:schemeClr val="dk1"/>
+          </a:effectRef>
+          <a:fontRef idx="minor">
+            <a:schemeClr val="tx1"/>
+          </a:fontRef>
+        </p:style>
+      </p:cxnSp>
+      <p:cxnSp>
+        <p:nvCxnSpPr>
+          <p:cNvPr id="238" name="直線コネクタ 237">
+            <a:extLst>
+              <a:ext uri="{FF2B5EF4-FFF2-40B4-BE49-F238E27FC236}">
+                <a16:creationId xmlns:a16="http://schemas.microsoft.com/office/drawing/2014/main" id="{CCFB2013-AC39-B94D-E443-058D999E1137}"/>
+              </a:ext>
+            </a:extLst>
+          </p:cNvPr>
+          <p:cNvCxnSpPr>
+            <a:cxnSpLocks/>
+            <a:stCxn id="242" idx="2"/>
+            <a:endCxn id="200" idx="0"/>
+          </p:cNvCxnSpPr>
+          <p:nvPr/>
+        </p:nvCxnSpPr>
+        <p:spPr>
+          <a:xfrm>
+            <a:off x="2984799" y="921600"/>
+            <a:ext cx="0" cy="358397"/>
+          </a:xfrm>
+          <a:prstGeom prst="line">
+            <a:avLst/>
+          </a:prstGeom>
+          <a:ln w="19050">
+            <a:solidFill>
+              <a:schemeClr val="tx1"/>
+            </a:solidFill>
+          </a:ln>
+        </p:spPr>
+        <p:style>
+          <a:lnRef idx="1">
+            <a:schemeClr val="dk1"/>
+          </a:lnRef>
+          <a:fillRef idx="0">
+            <a:schemeClr val="dk1"/>
+          </a:fillRef>
+          <a:effectRef idx="0">
+            <a:schemeClr val="dk1"/>
+          </a:effectRef>
+          <a:fontRef idx="minor">
+            <a:schemeClr val="tx1"/>
+          </a:fontRef>
+        </p:style>
+      </p:cxnSp>
+      <p:pic>
+        <p:nvPicPr>
+          <p:cNvPr id="242" name="図 241" descr="アイコン&#10;&#10;自動的に生成された説明">
+            <a:extLst>
+              <a:ext uri="{FF2B5EF4-FFF2-40B4-BE49-F238E27FC236}">
+                <a16:creationId xmlns:a16="http://schemas.microsoft.com/office/drawing/2014/main" id="{C77B8842-8D57-AF00-848C-406534FB7562}"/>
+              </a:ext>
+            </a:extLst>
+          </p:cNvPr>
+          <p:cNvPicPr>
+            <a:picLocks noChangeAspect="1"/>
+          </p:cNvPicPr>
+          <p:nvPr/>
+        </p:nvPicPr>
+        <p:blipFill rotWithShape="1">
+          <a:blip r:embed="rId15">
+            <a:extLst>
+              <a:ext uri="{28A0092B-C50C-407E-A947-70E740481C1C}">
+                <a14:useLocalDpi xmlns:a14="http://schemas.microsoft.com/office/drawing/2010/main" val="0"/>
+              </a:ext>
+            </a:extLst>
+          </a:blip>
+          <a:srcRect l="19462" t="8099" r="19167" b="8630"/>
+          <a:stretch/>
+        </p:blipFill>
+        <p:spPr>
+          <a:xfrm>
+            <a:off x="2719479" y="201600"/>
+            <a:ext cx="530640" cy="720000"/>
+          </a:xfrm>
+          <a:prstGeom prst="rect">
+            <a:avLst/>
+          </a:prstGeom>
+        </p:spPr>
+      </p:pic>
+      <p:sp>
+        <p:nvSpPr>
+          <p:cNvPr id="243" name="テキスト ボックス 242">
+            <a:extLst>
+              <a:ext uri="{FF2B5EF4-FFF2-40B4-BE49-F238E27FC236}">
+                <a16:creationId xmlns:a16="http://schemas.microsoft.com/office/drawing/2014/main" id="{D2568085-D371-A2E8-E499-0B1B7B4A127E}"/>
+              </a:ext>
+            </a:extLst>
+          </p:cNvPr>
+          <p:cNvSpPr txBox="1"/>
+          <p:nvPr/>
+        </p:nvSpPr>
+        <p:spPr>
+          <a:xfrm>
+            <a:off x="3250119" y="453878"/>
+            <a:ext cx="729687" cy="215444"/>
+          </a:xfrm>
+          <a:prstGeom prst="rect">
+            <a:avLst/>
+          </a:prstGeom>
+          <a:noFill/>
+        </p:spPr>
+        <p:txBody>
+          <a:bodyPr wrap="none" rtlCol="0">
+            <a:spAutoFit/>
+          </a:bodyPr>
+          <a:lstStyle/>
+          <a:p>
+            <a:r>
+              <a:rPr kumimoji="1" lang="en-US" altLang="ja-JP" sz="800" dirty="0"/>
+              <a:t>AP</a:t>
+            </a:r>
+            <a:r>
+              <a:rPr kumimoji="1" lang="ja-JP" altLang="en-US" sz="800" dirty="0"/>
+              <a:t>サーバー</a:t>
+            </a:r>
+          </a:p>
+        </p:txBody>
+      </p:sp>
+      <p:cxnSp>
+        <p:nvCxnSpPr>
+          <p:cNvPr id="249" name="直線コネクタ 248">
+            <a:extLst>
+              <a:ext uri="{FF2B5EF4-FFF2-40B4-BE49-F238E27FC236}">
+                <a16:creationId xmlns:a16="http://schemas.microsoft.com/office/drawing/2014/main" id="{7C52152A-1EF0-BD27-2ECF-0770CCF9B3D3}"/>
+              </a:ext>
+            </a:extLst>
+          </p:cNvPr>
+          <p:cNvCxnSpPr>
+            <a:cxnSpLocks/>
+            <a:stCxn id="198" idx="1"/>
+            <a:endCxn id="200" idx="3"/>
+          </p:cNvCxnSpPr>
+          <p:nvPr/>
+        </p:nvCxnSpPr>
+        <p:spPr>
+          <a:xfrm flipH="1" flipV="1">
+            <a:off x="3401598" y="1639997"/>
+            <a:ext cx="1186277" cy="4450"/>
+          </a:xfrm>
+          <a:prstGeom prst="line">
+            <a:avLst/>
+          </a:prstGeom>
+          <a:ln w="19050">
+            <a:solidFill>
+              <a:schemeClr val="tx1"/>
+            </a:solidFill>
+          </a:ln>
+        </p:spPr>
+        <p:style>
+          <a:lnRef idx="1">
+            <a:schemeClr val="dk1"/>
+          </a:lnRef>
+          <a:fillRef idx="0">
+            <a:schemeClr val="dk1"/>
+          </a:fillRef>
+          <a:effectRef idx="0">
+            <a:schemeClr val="dk1"/>
+          </a:effectRef>
+          <a:fontRef idx="minor">
+            <a:schemeClr val="tx1"/>
+          </a:fontRef>
+        </p:style>
+      </p:cxnSp>
+      <p:cxnSp>
+        <p:nvCxnSpPr>
+          <p:cNvPr id="252" name="直線コネクタ 251">
+            <a:extLst>
+              <a:ext uri="{FF2B5EF4-FFF2-40B4-BE49-F238E27FC236}">
+                <a16:creationId xmlns:a16="http://schemas.microsoft.com/office/drawing/2014/main" id="{C6323B01-1036-03BE-48D4-D2E0CD2E68FD}"/>
+              </a:ext>
+            </a:extLst>
+          </p:cNvPr>
+          <p:cNvCxnSpPr>
+            <a:cxnSpLocks/>
+            <a:stCxn id="261" idx="1"/>
+            <a:endCxn id="200" idx="3"/>
+          </p:cNvCxnSpPr>
+          <p:nvPr/>
+        </p:nvCxnSpPr>
+        <p:spPr>
+          <a:xfrm flipH="1" flipV="1">
+            <a:off x="3401598" y="1639997"/>
+            <a:ext cx="1186277" cy="2866650"/>
+          </a:xfrm>
+          <a:prstGeom prst="line">
+            <a:avLst/>
+          </a:prstGeom>
+          <a:ln w="19050">
+            <a:solidFill>
+              <a:schemeClr val="tx1"/>
+            </a:solidFill>
+          </a:ln>
+        </p:spPr>
+        <p:style>
+          <a:lnRef idx="1">
+            <a:schemeClr val="dk1"/>
+          </a:lnRef>
+          <a:fillRef idx="0">
+            <a:schemeClr val="dk1"/>
+          </a:fillRef>
+          <a:effectRef idx="0">
+            <a:schemeClr val="dk1"/>
+          </a:effectRef>
+          <a:fontRef idx="minor">
+            <a:schemeClr val="tx1"/>
+          </a:fontRef>
+        </p:style>
+      </p:cxnSp>
+      <p:grpSp>
+        <p:nvGrpSpPr>
+          <p:cNvPr id="257" name="グループ化 256">
+            <a:extLst>
+              <a:ext uri="{FF2B5EF4-FFF2-40B4-BE49-F238E27FC236}">
+                <a16:creationId xmlns:a16="http://schemas.microsoft.com/office/drawing/2014/main" id="{B7851576-E6FE-015B-30D8-66FC8993C08B}"/>
+              </a:ext>
+            </a:extLst>
+          </p:cNvPr>
+          <p:cNvGrpSpPr/>
+          <p:nvPr/>
+        </p:nvGrpSpPr>
+        <p:grpSpPr>
+          <a:xfrm>
+            <a:off x="4587875" y="1284447"/>
+            <a:ext cx="832000" cy="939673"/>
+            <a:chOff x="4587875" y="1284447"/>
+            <a:chExt cx="832000" cy="939673"/>
+          </a:xfrm>
+        </p:grpSpPr>
+        <p:pic>
+          <p:nvPicPr>
+            <p:cNvPr id="198" name="図 197" descr="アイコン&#10;&#10;自動的に生成された説明">
+              <a:extLst>
+                <a:ext uri="{FF2B5EF4-FFF2-40B4-BE49-F238E27FC236}">
+                  <a16:creationId xmlns:a16="http://schemas.microsoft.com/office/drawing/2014/main" id="{7918278D-F8DC-9F0E-9023-C5D03C4BAC52}"/>
+                </a:ext>
+              </a:extLst>
+            </p:cNvPr>
+            <p:cNvPicPr>
+              <a:picLocks noChangeAspect="1"/>
+            </p:cNvPicPr>
+            <p:nvPr/>
+          </p:nvPicPr>
+          <p:blipFill rotWithShape="1">
+            <a:blip r:embed="rId16">
+              <a:extLst>
+                <a:ext uri="{28A0092B-C50C-407E-A947-70E740481C1C}">
+                  <a14:useLocalDpi xmlns:a14="http://schemas.microsoft.com/office/drawing/2010/main" val="0"/>
+                </a:ext>
+              </a:extLst>
+            </a:blip>
+            <a:srcRect l="8087" t="9540" b="10920"/>
+            <a:stretch/>
+          </p:blipFill>
+          <p:spPr>
+            <a:xfrm>
+              <a:off x="4587875" y="1284447"/>
+              <a:ext cx="832000" cy="720000"/>
+            </a:xfrm>
+            <a:prstGeom prst="rect">
+              <a:avLst/>
+            </a:prstGeom>
+          </p:spPr>
+        </p:pic>
+        <p:sp>
+          <p:nvSpPr>
+            <p:cNvPr id="256" name="テキスト ボックス 255">
+              <a:extLst>
+                <a:ext uri="{FF2B5EF4-FFF2-40B4-BE49-F238E27FC236}">
+                  <a16:creationId xmlns:a16="http://schemas.microsoft.com/office/drawing/2014/main" id="{DF79C6A0-AB19-2FC0-C68F-2DF57C2DD75A}"/>
+                </a:ext>
+              </a:extLst>
+            </p:cNvPr>
+            <p:cNvSpPr txBox="1"/>
+            <p:nvPr/>
+          </p:nvSpPr>
+          <p:spPr>
+            <a:xfrm>
+              <a:off x="4647046" y="2008676"/>
+              <a:ext cx="713658" cy="215444"/>
+            </a:xfrm>
+            <a:prstGeom prst="rect">
+              <a:avLst/>
+            </a:prstGeom>
+            <a:noFill/>
+          </p:spPr>
+          <p:txBody>
+            <a:bodyPr wrap="none" rtlCol="0">
+              <a:spAutoFit/>
+            </a:bodyPr>
+            <a:lstStyle/>
+            <a:p>
+              <a:pPr algn="ctr"/>
+              <a:r>
+                <a:rPr kumimoji="1" lang="en-US" altLang="ja-JP" sz="800" dirty="0"/>
+                <a:t>L2</a:t>
+              </a:r>
+              <a:r>
+                <a:rPr kumimoji="1" lang="ja-JP" altLang="en-US" sz="800" dirty="0"/>
+                <a:t>スイッチ</a:t>
+              </a:r>
+            </a:p>
+          </p:txBody>
+        </p:sp>
+      </p:grpSp>
+      <p:pic>
+        <p:nvPicPr>
+          <p:cNvPr id="261" name="図 260" descr="アイコン&#10;&#10;自動的に生成された説明">
+            <a:extLst>
+              <a:ext uri="{FF2B5EF4-FFF2-40B4-BE49-F238E27FC236}">
+                <a16:creationId xmlns:a16="http://schemas.microsoft.com/office/drawing/2014/main" id="{FECA2C9C-4C54-611B-6D63-3EA8A7D55C29}"/>
+              </a:ext>
+            </a:extLst>
+          </p:cNvPr>
+          <p:cNvPicPr>
+            <a:picLocks noChangeAspect="1"/>
+          </p:cNvPicPr>
+          <p:nvPr/>
+        </p:nvPicPr>
+        <p:blipFill rotWithShape="1">
+          <a:blip r:embed="rId16">
+            <a:extLst>
+              <a:ext uri="{28A0092B-C50C-407E-A947-70E740481C1C}">
+                <a14:useLocalDpi xmlns:a14="http://schemas.microsoft.com/office/drawing/2010/main" val="0"/>
+              </a:ext>
+            </a:extLst>
+          </a:blip>
+          <a:srcRect l="8087" t="9540" b="10920"/>
+          <a:stretch/>
+        </p:blipFill>
+        <p:spPr>
+          <a:xfrm>
+            <a:off x="4587875" y="4146647"/>
+            <a:ext cx="832000" cy="720000"/>
+          </a:xfrm>
+          <a:prstGeom prst="rect">
+            <a:avLst/>
+          </a:prstGeom>
+        </p:spPr>
+      </p:pic>
+      <p:pic>
+        <p:nvPicPr>
+          <p:cNvPr id="264" name="図 263" descr="アイコン&#10;&#10;自動的に生成された説明">
+            <a:extLst>
+              <a:ext uri="{FF2B5EF4-FFF2-40B4-BE49-F238E27FC236}">
+                <a16:creationId xmlns:a16="http://schemas.microsoft.com/office/drawing/2014/main" id="{1F7DC5AA-DC08-0B9C-9D90-0A1DA0FBD9BE}"/>
+              </a:ext>
+            </a:extLst>
+          </p:cNvPr>
+          <p:cNvPicPr>
+            <a:picLocks noChangeAspect="1"/>
+          </p:cNvPicPr>
+          <p:nvPr/>
+        </p:nvPicPr>
+        <p:blipFill rotWithShape="1">
+          <a:blip r:embed="rId17">
+            <a:extLst>
+              <a:ext uri="{28A0092B-C50C-407E-A947-70E740481C1C}">
+                <a14:useLocalDpi xmlns:a14="http://schemas.microsoft.com/office/drawing/2010/main" val="0"/>
+              </a:ext>
+            </a:extLst>
+          </a:blip>
+          <a:srcRect l="9871" t="9540" r="8904" b="10920"/>
+          <a:stretch/>
+        </p:blipFill>
+        <p:spPr>
+          <a:xfrm>
+            <a:off x="4636251" y="201600"/>
+            <a:ext cx="735248" cy="720000"/>
+          </a:xfrm>
+          <a:prstGeom prst="rect">
+            <a:avLst/>
+          </a:prstGeom>
+        </p:spPr>
+      </p:pic>
+      <p:sp>
+        <p:nvSpPr>
+          <p:cNvPr id="265" name="テキスト ボックス 264">
+            <a:extLst>
+              <a:ext uri="{FF2B5EF4-FFF2-40B4-BE49-F238E27FC236}">
+                <a16:creationId xmlns:a16="http://schemas.microsoft.com/office/drawing/2014/main" id="{EF280454-2D08-92A5-4165-5E937FE5AF6C}"/>
+              </a:ext>
+            </a:extLst>
+          </p:cNvPr>
+          <p:cNvSpPr txBox="1"/>
+          <p:nvPr/>
+        </p:nvSpPr>
+        <p:spPr>
+          <a:xfrm>
+            <a:off x="5425201" y="453878"/>
+            <a:ext cx="606256" cy="215444"/>
+          </a:xfrm>
+          <a:prstGeom prst="rect">
+            <a:avLst/>
+          </a:prstGeom>
+          <a:noFill/>
+        </p:spPr>
+        <p:txBody>
+          <a:bodyPr wrap="none" rtlCol="0">
+            <a:spAutoFit/>
+          </a:bodyPr>
+          <a:lstStyle/>
+          <a:p>
+            <a:pPr algn="ctr"/>
+            <a:r>
+              <a:rPr kumimoji="1" lang="en-US" altLang="ja-JP" sz="800" dirty="0"/>
+              <a:t>Wi-Fi AP</a:t>
+            </a:r>
+            <a:endParaRPr kumimoji="1" lang="ja-JP" altLang="en-US" sz="800" dirty="0"/>
+          </a:p>
+        </p:txBody>
+      </p:sp>
+      <p:cxnSp>
+        <p:nvCxnSpPr>
+          <p:cNvPr id="266" name="直線コネクタ 265">
+            <a:extLst>
+              <a:ext uri="{FF2B5EF4-FFF2-40B4-BE49-F238E27FC236}">
+                <a16:creationId xmlns:a16="http://schemas.microsoft.com/office/drawing/2014/main" id="{06B061DB-0342-D256-D57E-19C9AB11C3A0}"/>
+              </a:ext>
+            </a:extLst>
+          </p:cNvPr>
+          <p:cNvCxnSpPr>
+            <a:cxnSpLocks/>
+            <a:stCxn id="264" idx="2"/>
+            <a:endCxn id="198" idx="0"/>
+          </p:cNvCxnSpPr>
+          <p:nvPr/>
+        </p:nvCxnSpPr>
+        <p:spPr>
+          <a:xfrm>
+            <a:off x="5003875" y="921600"/>
+            <a:ext cx="0" cy="362847"/>
+          </a:xfrm>
+          <a:prstGeom prst="line">
+            <a:avLst/>
+          </a:prstGeom>
+          <a:ln w="19050">
+            <a:solidFill>
+              <a:schemeClr val="tx1"/>
+            </a:solidFill>
+          </a:ln>
+        </p:spPr>
+        <p:style>
+          <a:lnRef idx="1">
+            <a:schemeClr val="dk1"/>
+          </a:lnRef>
+          <a:fillRef idx="0">
+            <a:schemeClr val="dk1"/>
+          </a:fillRef>
+          <a:effectRef idx="0">
+            <a:schemeClr val="dk1"/>
+          </a:effectRef>
+          <a:fontRef idx="minor">
+            <a:schemeClr val="tx1"/>
+          </a:fontRef>
+        </p:style>
+      </p:cxnSp>
+      <p:pic>
+        <p:nvPicPr>
+          <p:cNvPr id="269" name="図 268" descr="アイコン&#10;&#10;自動的に生成された説明">
+            <a:extLst>
+              <a:ext uri="{FF2B5EF4-FFF2-40B4-BE49-F238E27FC236}">
+                <a16:creationId xmlns:a16="http://schemas.microsoft.com/office/drawing/2014/main" id="{DD372916-E3E7-3716-2994-28F1BA4D950B}"/>
+              </a:ext>
+            </a:extLst>
+          </p:cNvPr>
+          <p:cNvPicPr>
+            <a:picLocks noChangeAspect="1"/>
+          </p:cNvPicPr>
+          <p:nvPr/>
+        </p:nvPicPr>
+        <p:blipFill rotWithShape="1">
+          <a:blip r:embed="rId7">
+            <a:extLst>
+              <a:ext uri="{28A0092B-C50C-407E-A947-70E740481C1C}">
+                <a14:useLocalDpi xmlns:a14="http://schemas.microsoft.com/office/drawing/2010/main" val="0"/>
+              </a:ext>
+            </a:extLst>
+          </a:blip>
+          <a:srcRect l="5135" t="20204" r="4247" b="22863"/>
+          <a:stretch/>
+        </p:blipFill>
+        <p:spPr>
+          <a:xfrm>
+            <a:off x="5772568" y="2008676"/>
+            <a:ext cx="1146002" cy="720000"/>
+          </a:xfrm>
+          <a:prstGeom prst="rect">
+            <a:avLst/>
+          </a:prstGeom>
+        </p:spPr>
+      </p:pic>
+      <p:cxnSp>
+        <p:nvCxnSpPr>
+          <p:cNvPr id="270" name="直線コネクタ 269">
+            <a:extLst>
+              <a:ext uri="{FF2B5EF4-FFF2-40B4-BE49-F238E27FC236}">
+                <a16:creationId xmlns:a16="http://schemas.microsoft.com/office/drawing/2014/main" id="{A444554C-1E52-A75A-D95B-A263D580B442}"/>
+              </a:ext>
+            </a:extLst>
+          </p:cNvPr>
+          <p:cNvCxnSpPr>
+            <a:cxnSpLocks/>
+            <a:stCxn id="269" idx="0"/>
+            <a:endCxn id="198" idx="3"/>
+          </p:cNvCxnSpPr>
+          <p:nvPr/>
+        </p:nvCxnSpPr>
+        <p:spPr>
+          <a:xfrm flipH="1" flipV="1">
+            <a:off x="5419875" y="1644447"/>
+            <a:ext cx="925694" cy="364229"/>
+          </a:xfrm>
+          <a:prstGeom prst="line">
+            <a:avLst/>
+          </a:prstGeom>
+          <a:ln w="19050">
+            <a:solidFill>
+              <a:schemeClr val="tx1"/>
+            </a:solidFill>
+          </a:ln>
+        </p:spPr>
+        <p:style>
+          <a:lnRef idx="1">
+            <a:schemeClr val="dk1"/>
+          </a:lnRef>
+          <a:fillRef idx="0">
+            <a:schemeClr val="dk1"/>
+          </a:fillRef>
+          <a:effectRef idx="0">
+            <a:schemeClr val="dk1"/>
+          </a:effectRef>
+          <a:fontRef idx="minor">
+            <a:schemeClr val="tx1"/>
+          </a:fontRef>
+        </p:style>
+      </p:cxnSp>
+      <p:cxnSp>
+        <p:nvCxnSpPr>
+          <p:cNvPr id="273" name="直線コネクタ 272">
+            <a:extLst>
+              <a:ext uri="{FF2B5EF4-FFF2-40B4-BE49-F238E27FC236}">
+                <a16:creationId xmlns:a16="http://schemas.microsoft.com/office/drawing/2014/main" id="{1B8790D1-C25C-B497-791F-19538EF4E1C6}"/>
+              </a:ext>
+            </a:extLst>
+          </p:cNvPr>
+          <p:cNvCxnSpPr>
+            <a:cxnSpLocks/>
+            <a:stCxn id="202" idx="0"/>
+            <a:endCxn id="198" idx="3"/>
+          </p:cNvCxnSpPr>
+          <p:nvPr/>
+        </p:nvCxnSpPr>
+        <p:spPr>
+          <a:xfrm flipH="1" flipV="1">
+            <a:off x="5419875" y="1644447"/>
+            <a:ext cx="2071696" cy="364229"/>
+          </a:xfrm>
+          <a:prstGeom prst="line">
+            <a:avLst/>
+          </a:prstGeom>
+          <a:ln w="19050">
+            <a:solidFill>
+              <a:schemeClr val="tx1"/>
+            </a:solidFill>
+          </a:ln>
+        </p:spPr>
+        <p:style>
+          <a:lnRef idx="1">
+            <a:schemeClr val="dk1"/>
+          </a:lnRef>
+          <a:fillRef idx="0">
+            <a:schemeClr val="dk1"/>
+          </a:fillRef>
+          <a:effectRef idx="0">
+            <a:schemeClr val="dk1"/>
+          </a:effectRef>
+          <a:fontRef idx="minor">
+            <a:schemeClr val="tx1"/>
+          </a:fontRef>
+        </p:style>
+      </p:cxnSp>
+      <p:pic>
+        <p:nvPicPr>
+          <p:cNvPr id="276" name="図 275" descr="アイコン&#10;&#10;自動的に生成された説明">
+            <a:extLst>
+              <a:ext uri="{FF2B5EF4-FFF2-40B4-BE49-F238E27FC236}">
+                <a16:creationId xmlns:a16="http://schemas.microsoft.com/office/drawing/2014/main" id="{73B4776F-852C-7875-57CE-21163C5F661F}"/>
+              </a:ext>
+            </a:extLst>
+          </p:cNvPr>
+          <p:cNvPicPr>
+            <a:picLocks noChangeAspect="1"/>
+          </p:cNvPicPr>
+          <p:nvPr/>
+        </p:nvPicPr>
+        <p:blipFill rotWithShape="1">
+          <a:blip r:embed="rId7">
+            <a:extLst>
+              <a:ext uri="{28A0092B-C50C-407E-A947-70E740481C1C}">
+                <a14:useLocalDpi xmlns:a14="http://schemas.microsoft.com/office/drawing/2010/main" val="0"/>
+              </a:ext>
+            </a:extLst>
+          </a:blip>
+          <a:srcRect l="5135" t="20204" r="4247" b="22863"/>
+          <a:stretch/>
+        </p:blipFill>
+        <p:spPr>
+          <a:xfrm>
+            <a:off x="5770288" y="4148188"/>
+            <a:ext cx="1146002" cy="720000"/>
+          </a:xfrm>
+          <a:prstGeom prst="rect">
+            <a:avLst/>
+          </a:prstGeom>
+        </p:spPr>
+      </p:pic>
+      <p:pic>
+        <p:nvPicPr>
+          <p:cNvPr id="277" name="図 276" descr="アイコン&#10;&#10;自動的に生成された説明">
+            <a:extLst>
+              <a:ext uri="{FF2B5EF4-FFF2-40B4-BE49-F238E27FC236}">
+                <a16:creationId xmlns:a16="http://schemas.microsoft.com/office/drawing/2014/main" id="{87E367F6-0B08-5D22-8050-EC28BBC3A201}"/>
+              </a:ext>
+            </a:extLst>
+          </p:cNvPr>
+          <p:cNvPicPr>
+            <a:picLocks noChangeAspect="1"/>
+          </p:cNvPicPr>
+          <p:nvPr/>
+        </p:nvPicPr>
+        <p:blipFill rotWithShape="1">
+          <a:blip r:embed="rId7">
+            <a:extLst>
+              <a:ext uri="{28A0092B-C50C-407E-A947-70E740481C1C}">
+                <a14:useLocalDpi xmlns:a14="http://schemas.microsoft.com/office/drawing/2010/main" val="0"/>
+              </a:ext>
+            </a:extLst>
+          </a:blip>
+          <a:srcRect l="5135" t="20204" r="4247" b="22863"/>
+          <a:stretch/>
+        </p:blipFill>
+        <p:spPr>
+          <a:xfrm>
+            <a:off x="6918570" y="4865106"/>
+            <a:ext cx="1146002" cy="720000"/>
+          </a:xfrm>
+          <a:prstGeom prst="rect">
+            <a:avLst/>
+          </a:prstGeom>
+        </p:spPr>
+      </p:pic>
+      <p:pic>
+        <p:nvPicPr>
+          <p:cNvPr id="278" name="図 277" descr="アイコン&#10;&#10;自動的に生成された説明">
+            <a:extLst>
+              <a:ext uri="{FF2B5EF4-FFF2-40B4-BE49-F238E27FC236}">
+                <a16:creationId xmlns:a16="http://schemas.microsoft.com/office/drawing/2014/main" id="{664217D7-47DA-B676-980A-91B62AE04C3D}"/>
+              </a:ext>
+            </a:extLst>
+          </p:cNvPr>
+          <p:cNvPicPr>
+            <a:picLocks noChangeAspect="1"/>
+          </p:cNvPicPr>
+          <p:nvPr/>
+        </p:nvPicPr>
+        <p:blipFill rotWithShape="1">
+          <a:blip r:embed="rId7">
+            <a:extLst>
+              <a:ext uri="{28A0092B-C50C-407E-A947-70E740481C1C}">
+                <a14:useLocalDpi xmlns:a14="http://schemas.microsoft.com/office/drawing/2010/main" val="0"/>
+              </a:ext>
+            </a:extLst>
+          </a:blip>
+          <a:srcRect l="5135" t="20204" r="4247" b="22863"/>
+          <a:stretch/>
+        </p:blipFill>
+        <p:spPr>
+          <a:xfrm>
+            <a:off x="5770124" y="5585106"/>
+            <a:ext cx="1146002" cy="720000"/>
+          </a:xfrm>
+          <a:prstGeom prst="rect">
+            <a:avLst/>
+          </a:prstGeom>
+        </p:spPr>
+      </p:pic>
+      <p:cxnSp>
+        <p:nvCxnSpPr>
+          <p:cNvPr id="279" name="直線コネクタ 278">
+            <a:extLst>
+              <a:ext uri="{FF2B5EF4-FFF2-40B4-BE49-F238E27FC236}">
+                <a16:creationId xmlns:a16="http://schemas.microsoft.com/office/drawing/2014/main" id="{3F095D1D-B03F-095F-C46E-6A3284288FE9}"/>
+              </a:ext>
+            </a:extLst>
+          </p:cNvPr>
+          <p:cNvCxnSpPr>
+            <a:cxnSpLocks/>
+            <a:stCxn id="276" idx="1"/>
+            <a:endCxn id="261" idx="3"/>
+          </p:cNvCxnSpPr>
+          <p:nvPr/>
+        </p:nvCxnSpPr>
+        <p:spPr>
+          <a:xfrm flipH="1" flipV="1">
+            <a:off x="5419875" y="4506647"/>
+            <a:ext cx="350413" cy="1541"/>
+          </a:xfrm>
+          <a:prstGeom prst="line">
+            <a:avLst/>
+          </a:prstGeom>
+          <a:ln w="19050">
+            <a:solidFill>
+              <a:schemeClr val="tx1"/>
+            </a:solidFill>
+          </a:ln>
+        </p:spPr>
+        <p:style>
+          <a:lnRef idx="1">
+            <a:schemeClr val="dk1"/>
+          </a:lnRef>
+          <a:fillRef idx="0">
+            <a:schemeClr val="dk1"/>
+          </a:fillRef>
+          <a:effectRef idx="0">
+            <a:schemeClr val="dk1"/>
+          </a:effectRef>
+          <a:fontRef idx="minor">
+            <a:schemeClr val="tx1"/>
+          </a:fontRef>
+        </p:style>
+      </p:cxnSp>
+      <p:cxnSp>
+        <p:nvCxnSpPr>
+          <p:cNvPr id="282" name="直線コネクタ 281">
+            <a:extLst>
+              <a:ext uri="{FF2B5EF4-FFF2-40B4-BE49-F238E27FC236}">
+                <a16:creationId xmlns:a16="http://schemas.microsoft.com/office/drawing/2014/main" id="{29839C2F-7549-3224-1E85-D9FB944FD155}"/>
+              </a:ext>
+            </a:extLst>
+          </p:cNvPr>
+          <p:cNvCxnSpPr>
+            <a:cxnSpLocks/>
+            <a:stCxn id="277" idx="1"/>
+            <a:endCxn id="261" idx="2"/>
+          </p:cNvCxnSpPr>
+          <p:nvPr/>
+        </p:nvCxnSpPr>
+        <p:spPr>
+          <a:xfrm flipH="1" flipV="1">
+            <a:off x="5003875" y="4866647"/>
+            <a:ext cx="1914695" cy="358459"/>
+          </a:xfrm>
+          <a:prstGeom prst="line">
+            <a:avLst/>
+          </a:prstGeom>
+          <a:ln w="19050">
+            <a:solidFill>
+              <a:schemeClr val="tx1"/>
+            </a:solidFill>
+          </a:ln>
+        </p:spPr>
+        <p:style>
+          <a:lnRef idx="1">
+            <a:schemeClr val="dk1"/>
+          </a:lnRef>
+          <a:fillRef idx="0">
+            <a:schemeClr val="dk1"/>
+          </a:fillRef>
+          <a:effectRef idx="0">
+            <a:schemeClr val="dk1"/>
+          </a:effectRef>
+          <a:fontRef idx="minor">
+            <a:schemeClr val="tx1"/>
+          </a:fontRef>
+        </p:style>
+      </p:cxnSp>
+      <p:cxnSp>
+        <p:nvCxnSpPr>
+          <p:cNvPr id="286" name="直線コネクタ 285">
+            <a:extLst>
+              <a:ext uri="{FF2B5EF4-FFF2-40B4-BE49-F238E27FC236}">
+                <a16:creationId xmlns:a16="http://schemas.microsoft.com/office/drawing/2014/main" id="{27EB7FD1-5DB8-2D90-420A-0A74A7138A0C}"/>
+              </a:ext>
+            </a:extLst>
+          </p:cNvPr>
+          <p:cNvCxnSpPr>
+            <a:cxnSpLocks/>
+            <a:stCxn id="192" idx="0"/>
+            <a:endCxn id="261" idx="2"/>
+          </p:cNvCxnSpPr>
+          <p:nvPr/>
+        </p:nvCxnSpPr>
+        <p:spPr>
+          <a:xfrm flipV="1">
+            <a:off x="5003875" y="4866647"/>
+            <a:ext cx="0" cy="718459"/>
+          </a:xfrm>
+          <a:prstGeom prst="line">
+            <a:avLst/>
+          </a:prstGeom>
+          <a:ln w="19050">
+            <a:solidFill>
+              <a:schemeClr val="tx1"/>
+            </a:solidFill>
+          </a:ln>
+        </p:spPr>
+        <p:style>
+          <a:lnRef idx="1">
+            <a:schemeClr val="dk1"/>
+          </a:lnRef>
+          <a:fillRef idx="0">
+            <a:schemeClr val="dk1"/>
+          </a:fillRef>
+          <a:effectRef idx="0">
+            <a:schemeClr val="dk1"/>
+          </a:effectRef>
+          <a:fontRef idx="minor">
+            <a:schemeClr val="tx1"/>
+          </a:fontRef>
+        </p:style>
+      </p:cxnSp>
+      <p:cxnSp>
+        <p:nvCxnSpPr>
+          <p:cNvPr id="289" name="直線コネクタ 288">
+            <a:extLst>
+              <a:ext uri="{FF2B5EF4-FFF2-40B4-BE49-F238E27FC236}">
+                <a16:creationId xmlns:a16="http://schemas.microsoft.com/office/drawing/2014/main" id="{D450F426-8CF2-AED1-8681-ED6DCD291590}"/>
+              </a:ext>
+            </a:extLst>
+          </p:cNvPr>
+          <p:cNvCxnSpPr>
+            <a:cxnSpLocks/>
+            <a:stCxn id="278" idx="0"/>
+            <a:endCxn id="261" idx="2"/>
+          </p:cNvCxnSpPr>
+          <p:nvPr/>
+        </p:nvCxnSpPr>
+        <p:spPr>
+          <a:xfrm flipH="1" flipV="1">
+            <a:off x="5003875" y="4866647"/>
+            <a:ext cx="1339250" cy="718459"/>
+          </a:xfrm>
+          <a:prstGeom prst="line">
+            <a:avLst/>
+          </a:prstGeom>
+          <a:ln w="19050">
+            <a:solidFill>
+              <a:schemeClr val="tx1"/>
+            </a:solidFill>
+          </a:ln>
+        </p:spPr>
+        <p:style>
+          <a:lnRef idx="1">
+            <a:schemeClr val="dk1"/>
+          </a:lnRef>
+          <a:fillRef idx="0">
+            <a:schemeClr val="dk1"/>
+          </a:fillRef>
+          <a:effectRef idx="0">
+            <a:schemeClr val="dk1"/>
+          </a:effectRef>
+          <a:fontRef idx="minor">
+            <a:schemeClr val="tx1"/>
+          </a:fontRef>
+        </p:style>
+      </p:cxnSp>
+    </p:spTree>
+    <p:extLst>
+      <p:ext uri="{BB962C8B-B14F-4D97-AF65-F5344CB8AC3E}">
+        <p14:creationId xmlns:p14="http://schemas.microsoft.com/office/powerpoint/2010/main" val="2775400170"/>
+      </p:ext>
+    </p:extLst>
+  </p:cSld>
+  <p:clrMapOvr>
+    <a:masterClrMapping/>
+  </p:clrMapOvr>
+</p:sld>
+</file>
+
+<file path=ppt/slides/slide5.xml><?xml version="1.0" encoding="utf-8"?>
+<p:sld xmlns:a="http://schemas.openxmlformats.org/drawingml/2006/main" xmlns:r="http://schemas.openxmlformats.org/officeDocument/2006/relationships" xmlns:p="http://schemas.openxmlformats.org/presentationml/2006/main">
+  <p:cSld>
+    <p:spTree>
+      <p:nvGrpSpPr>
+        <p:cNvPr id="1" name=""/>
+        <p:cNvGrpSpPr/>
+        <p:nvPr/>
+      </p:nvGrpSpPr>
+      <p:grpSpPr>
+        <a:xfrm>
+          <a:off x="0" y="0"/>
+          <a:ext cx="0" cy="0"/>
+          <a:chOff x="0" y="0"/>
+          <a:chExt cx="0" cy="0"/>
+        </a:xfrm>
+      </p:grpSpPr>
+      <p:pic>
+        <p:nvPicPr>
+          <p:cNvPr id="4" name="図 3">
+            <a:extLst>
+              <a:ext uri="{FF2B5EF4-FFF2-40B4-BE49-F238E27FC236}">
+                <a16:creationId xmlns:a16="http://schemas.microsoft.com/office/drawing/2014/main" id="{6C95BCFA-0B75-80C7-D819-FF44CD97B844}"/>
+              </a:ext>
+            </a:extLst>
+          </p:cNvPr>
+          <p:cNvPicPr>
+            <a:picLocks noChangeAspect="1"/>
+          </p:cNvPicPr>
+          <p:nvPr/>
+        </p:nvPicPr>
+        <p:blipFill>
+          <a:blip r:embed="rId2"/>
+          <a:stretch>
+            <a:fillRect/>
+          </a:stretch>
+        </p:blipFill>
+        <p:spPr>
+          <a:xfrm>
+            <a:off x="1249260" y="97247"/>
+            <a:ext cx="9693480" cy="6663506"/>
+          </a:xfrm>
+          <a:prstGeom prst="rect">
+            <a:avLst/>
+          </a:prstGeom>
+        </p:spPr>
+      </p:pic>
     </p:spTree>
     <p:extLst>
       <p:ext uri="{BB962C8B-B14F-4D97-AF65-F5344CB8AC3E}">
